--- a/Lect_2.pptx
+++ b/Lect_2.pptx
@@ -44,7 +44,7 @@
     <p:sldId id="370" r:id="rId32"/>
     <p:sldId id="334" r:id="rId33"/>
     <p:sldId id="338" r:id="rId34"/>
-    <p:sldId id="340" r:id="rId35"/>
+    <p:sldId id="380" r:id="rId35"/>
     <p:sldId id="342" r:id="rId36"/>
     <p:sldId id="351" r:id="rId37"/>
     <p:sldId id="352" r:id="rId38"/>
@@ -56,7 +56,7 @@
     <p:sldId id="355" r:id="rId44"/>
     <p:sldId id="346" r:id="rId45"/>
     <p:sldId id="347" r:id="rId46"/>
-    <p:sldId id="350" r:id="rId47"/>
+    <p:sldId id="381" r:id="rId47"/>
     <p:sldId id="356" r:id="rId48"/>
     <p:sldId id="358" r:id="rId49"/>
     <p:sldId id="359" r:id="rId50"/>
@@ -237,9 +237,89 @@
 <file path=ppt/revisionInfo.xml><?xml version="1.0" encoding="utf-8"?>
 <p1510:revInfo xmlns:a="http://schemas.openxmlformats.org/drawingml/2006/main" xmlns:r="http://schemas.openxmlformats.org/officeDocument/2006/relationships" xmlns:p1510="http://schemas.microsoft.com/office/powerpoint/2015/10/main">
   <p1510:revLst>
-    <p1510:client id="{5D5F54C9-BD38-49B9-B6B2-EA93D1FE6D19}" v="1" dt="2023-04-04T03:59:22.014"/>
+    <p1510:client id="{2ADB017E-DD66-4264-86CC-3C76838ABE99}" v="11" dt="2025-12-16T01:13:15.017"/>
   </p1510:revLst>
 </p1510:revInfo>
+</file>
+
+<file path=ppt/changesInfos/changesInfo1.xml><?xml version="1.0" encoding="utf-8"?>
+<pc:chgInfo xmlns:a="http://schemas.openxmlformats.org/drawingml/2006/main" xmlns:r="http://schemas.openxmlformats.org/officeDocument/2006/relationships" xmlns:ac="http://schemas.microsoft.com/office/drawing/2013/main/command" xmlns:pc="http://schemas.microsoft.com/office/powerpoint/2013/main/command">
+  <pc:docChgLst>
+    <pc:chgData name="Thevarajah Mayooran" userId="028ced5d-c088-4edf-a4ff-720435ef9709" providerId="ADAL" clId="{DC8E7E0F-80C3-4AF6-B417-59EB41DBE316}"/>
+    <pc:docChg chg="custSel addSld delSld modSld">
+      <pc:chgData name="Thevarajah Mayooran" userId="028ced5d-c088-4edf-a4ff-720435ef9709" providerId="ADAL" clId="{DC8E7E0F-80C3-4AF6-B417-59EB41DBE316}" dt="2025-12-16T01:13:39.057" v="149" actId="20577"/>
+      <pc:docMkLst>
+        <pc:docMk/>
+      </pc:docMkLst>
+      <pc:sldChg chg="addSp delSp modSp mod">
+        <pc:chgData name="Thevarajah Mayooran" userId="028ced5d-c088-4edf-a4ff-720435ef9709" providerId="ADAL" clId="{DC8E7E0F-80C3-4AF6-B417-59EB41DBE316}" dt="2025-12-16T01:06:21.315" v="123" actId="20577"/>
+        <pc:sldMkLst>
+          <pc:docMk/>
+          <pc:sldMk cId="1031238138" sldId="331"/>
+        </pc:sldMkLst>
+        <pc:spChg chg="del mod">
+          <ac:chgData name="Thevarajah Mayooran" userId="028ced5d-c088-4edf-a4ff-720435ef9709" providerId="ADAL" clId="{DC8E7E0F-80C3-4AF6-B417-59EB41DBE316}" dt="2025-12-16T01:02:05.897" v="1" actId="478"/>
+          <ac:spMkLst>
+            <pc:docMk/>
+            <pc:sldMk cId="1031238138" sldId="331"/>
+            <ac:spMk id="6" creationId="{00000000-0000-0000-0000-000000000000}"/>
+          </ac:spMkLst>
+        </pc:spChg>
+        <pc:spChg chg="add mod">
+          <ac:chgData name="Thevarajah Mayooran" userId="028ced5d-c088-4edf-a4ff-720435ef9709" providerId="ADAL" clId="{DC8E7E0F-80C3-4AF6-B417-59EB41DBE316}" dt="2025-12-16T01:06:21.315" v="123" actId="20577"/>
+          <ac:spMkLst>
+            <pc:docMk/>
+            <pc:sldMk cId="1031238138" sldId="331"/>
+            <ac:spMk id="7" creationId="{DB03B745-C6DC-5D15-6834-8DE6AD873403}"/>
+          </ac:spMkLst>
+        </pc:spChg>
+      </pc:sldChg>
+      <pc:sldChg chg="del">
+        <pc:chgData name="Thevarajah Mayooran" userId="028ced5d-c088-4edf-a4ff-720435ef9709" providerId="ADAL" clId="{DC8E7E0F-80C3-4AF6-B417-59EB41DBE316}" dt="2025-12-16T01:13:01.332" v="125" actId="47"/>
+        <pc:sldMkLst>
+          <pc:docMk/>
+          <pc:sldMk cId="4173003297" sldId="340"/>
+        </pc:sldMkLst>
+      </pc:sldChg>
+      <pc:sldChg chg="del">
+        <pc:chgData name="Thevarajah Mayooran" userId="028ced5d-c088-4edf-a4ff-720435ef9709" providerId="ADAL" clId="{DC8E7E0F-80C3-4AF6-B417-59EB41DBE316}" dt="2025-12-16T01:13:17.963" v="127" actId="47"/>
+        <pc:sldMkLst>
+          <pc:docMk/>
+          <pc:sldMk cId="3418450939" sldId="350"/>
+        </pc:sldMkLst>
+      </pc:sldChg>
+      <pc:sldChg chg="modSp mod">
+        <pc:chgData name="Thevarajah Mayooran" userId="028ced5d-c088-4edf-a4ff-720435ef9709" providerId="ADAL" clId="{DC8E7E0F-80C3-4AF6-B417-59EB41DBE316}" dt="2025-12-16T01:13:39.057" v="149" actId="20577"/>
+        <pc:sldMkLst>
+          <pc:docMk/>
+          <pc:sldMk cId="1997271014" sldId="369"/>
+        </pc:sldMkLst>
+        <pc:spChg chg="mod">
+          <ac:chgData name="Thevarajah Mayooran" userId="028ced5d-c088-4edf-a4ff-720435ef9709" providerId="ADAL" clId="{DC8E7E0F-80C3-4AF6-B417-59EB41DBE316}" dt="2025-12-16T01:13:39.057" v="149" actId="20577"/>
+          <ac:spMkLst>
+            <pc:docMk/>
+            <pc:sldMk cId="1997271014" sldId="369"/>
+            <ac:spMk id="6" creationId="{00000000-0000-0000-0000-000000000000}"/>
+          </ac:spMkLst>
+        </pc:spChg>
+      </pc:sldChg>
+      <pc:sldChg chg="add">
+        <pc:chgData name="Thevarajah Mayooran" userId="028ced5d-c088-4edf-a4ff-720435ef9709" providerId="ADAL" clId="{DC8E7E0F-80C3-4AF6-B417-59EB41DBE316}" dt="2025-12-16T01:12:57.529" v="124"/>
+        <pc:sldMkLst>
+          <pc:docMk/>
+          <pc:sldMk cId="4229818888" sldId="380"/>
+        </pc:sldMkLst>
+      </pc:sldChg>
+      <pc:sldChg chg="add">
+        <pc:chgData name="Thevarajah Mayooran" userId="028ced5d-c088-4edf-a4ff-720435ef9709" providerId="ADAL" clId="{DC8E7E0F-80C3-4AF6-B417-59EB41DBE316}" dt="2025-12-16T01:13:15.015" v="126"/>
+        <pc:sldMkLst>
+          <pc:docMk/>
+          <pc:sldMk cId="1129781313" sldId="381"/>
+        </pc:sldMkLst>
+      </pc:sldChg>
+    </pc:docChg>
+  </pc:docChgLst>
+</pc:chgInfo>
 </file>
 
 <file path=ppt/handoutMasters/handoutMaster1.xml><?xml version="1.0" encoding="utf-8"?>
@@ -337,7 +417,7 @@
               <a:pPr>
                 <a:defRPr/>
               </a:pPr>
-              <a:t>2/25/2024</a:t>
+              <a:t>12/16/2025</a:t>
             </a:fld>
             <a:endParaRPr lang="en-US"/>
           </a:p>
@@ -528,7 +608,7 @@
               <a:pPr>
                 <a:defRPr/>
               </a:pPr>
-              <a:t>2/25/2024</a:t>
+              <a:t>12/16/2025</a:t>
             </a:fld>
             <a:endParaRPr lang="en-US"/>
           </a:p>
@@ -2648,7 +2728,7 @@
             </a:pPr>
             <a:fld id="{09F8CC9C-84F8-40DE-8072-8418EEAB0285}" type="datetime3">
               <a:rPr lang="en-US" smtClean="0"/>
-              <a:t>25 February 2024</a:t>
+              <a:t>16 December 2025</a:t>
             </a:fld>
             <a:endParaRPr lang="en-US"/>
           </a:p>
@@ -2858,7 +2938,7 @@
             </a:pPr>
             <a:fld id="{716D55AE-634D-4C1B-8690-AC1D7DE7B5BE}" type="datetime3">
               <a:rPr lang="en-US" smtClean="0"/>
-              <a:t>25 February 2024</a:t>
+              <a:t>16 December 2025</a:t>
             </a:fld>
             <a:endParaRPr lang="en-US"/>
           </a:p>
@@ -3072,7 +3152,7 @@
             </a:pPr>
             <a:fld id="{FC5FEC6E-2813-41AC-AFD2-1BB4F76C4C42}" type="datetime3">
               <a:rPr lang="en-US" smtClean="0"/>
-              <a:t>25 February 2024</a:t>
+              <a:t>16 December 2025</a:t>
             </a:fld>
             <a:endParaRPr lang="en-US"/>
           </a:p>
@@ -3342,7 +3422,7 @@
             </a:pPr>
             <a:fld id="{47601248-B7BA-4226-AE39-676FAFBA4435}" type="datetime3">
               <a:rPr lang="en-US" smtClean="0"/>
-              <a:t>25 February 2024</a:t>
+              <a:t>16 December 2025</a:t>
             </a:fld>
             <a:endParaRPr lang="en-US"/>
           </a:p>
@@ -3668,7 +3748,7 @@
             </a:pPr>
             <a:fld id="{75917CBA-66F1-4240-B43C-9C76CBF5B267}" type="datetime3">
               <a:rPr lang="en-US" smtClean="0"/>
-              <a:t>25 February 2024</a:t>
+              <a:t>16 December 2025</a:t>
             </a:fld>
             <a:endParaRPr lang="en-US"/>
           </a:p>
@@ -3855,7 +3935,7 @@
             </a:pPr>
             <a:fld id="{4A83CA73-0BFC-4EA3-BF88-0A7EFA16E2AD}" type="datetime3">
               <a:rPr lang="en-US" smtClean="0"/>
-              <a:t>25 February 2024</a:t>
+              <a:t>16 December 2025</a:t>
             </a:fld>
             <a:endParaRPr lang="en-US"/>
           </a:p>
@@ -4059,7 +4139,7 @@
             </a:pPr>
             <a:fld id="{E84513CC-386E-465A-BA6A-30F6981BE159}" type="datetime3">
               <a:rPr lang="en-US" smtClean="0"/>
-              <a:t>25 February 2024</a:t>
+              <a:t>16 December 2025</a:t>
             </a:fld>
             <a:endParaRPr lang="en-US"/>
           </a:p>
@@ -4286,7 +4366,7 @@
             </a:pPr>
             <a:fld id="{69C60E08-14DF-4CC3-9FDE-CF7B231AFBD8}" type="datetime3">
               <a:rPr lang="en-US" smtClean="0"/>
-              <a:t>25 February 2024</a:t>
+              <a:t>16 December 2025</a:t>
             </a:fld>
             <a:endParaRPr lang="en-US"/>
           </a:p>
@@ -4607,7 +4687,7 @@
             </a:pPr>
             <a:fld id="{9AE376AB-52E6-4ECC-81F8-F519C015FFCD}" type="datetime3">
               <a:rPr lang="en-US" smtClean="0"/>
-              <a:t>25 February 2024</a:t>
+              <a:t>16 December 2025</a:t>
             </a:fld>
             <a:endParaRPr lang="en-US"/>
           </a:p>
@@ -5067,7 +5147,7 @@
             </a:pPr>
             <a:fld id="{8CD96E5A-2F28-43E6-9810-21E990481036}" type="datetime3">
               <a:rPr lang="en-US" smtClean="0"/>
-              <a:t>25 February 2024</a:t>
+              <a:t>16 December 2025</a:t>
             </a:fld>
             <a:endParaRPr lang="en-US"/>
           </a:p>
@@ -5220,7 +5300,7 @@
             </a:pPr>
             <a:fld id="{C94AA14A-B3C0-4F6A-9ECD-D50E54560BF4}" type="datetime3">
               <a:rPr lang="en-US" smtClean="0"/>
-              <a:t>25 February 2024</a:t>
+              <a:t>16 December 2025</a:t>
             </a:fld>
             <a:endParaRPr lang="en-US"/>
           </a:p>
@@ -5351,7 +5431,7 @@
             </a:pPr>
             <a:fld id="{2DF9D6B0-2C09-47F5-8733-DDB6D3B95B5B}" type="datetime3">
               <a:rPr lang="en-US" smtClean="0"/>
-              <a:t>25 February 2024</a:t>
+              <a:t>16 December 2025</a:t>
             </a:fld>
             <a:endParaRPr lang="en-US"/>
           </a:p>
@@ -5662,7 +5742,7 @@
             </a:pPr>
             <a:fld id="{FE51208B-D869-4FEE-B747-98C7BABACDFD}" type="datetime3">
               <a:rPr lang="en-US" smtClean="0"/>
-              <a:t>25 February 2024</a:t>
+              <a:t>16 December 2025</a:t>
             </a:fld>
             <a:endParaRPr lang="en-US"/>
           </a:p>
@@ -5951,7 +6031,7 @@
             </a:pPr>
             <a:fld id="{A3DBA343-2E60-4640-801C-3DC38DEBAD4C}" type="datetime3">
               <a:rPr lang="en-US" smtClean="0"/>
-              <a:t>25 February 2024</a:t>
+              <a:t>16 December 2025</a:t>
             </a:fld>
             <a:endParaRPr lang="en-US"/>
           </a:p>
@@ -6342,7 +6422,7 @@
             </a:pPr>
             <a:fld id="{CABEC362-8481-4E91-9909-6D6E193E08BE}" type="datetime3">
               <a:rPr lang="en-US" smtClean="0"/>
-              <a:t>25 February 2024</a:t>
+              <a:t>16 December 2025</a:t>
             </a:fld>
             <a:endParaRPr lang="en-US"/>
           </a:p>
@@ -7984,7 +8064,7 @@
             </a:pPr>
             <a:fld id="{95048985-04BF-4E44-AD19-D0D3F0603289}" type="datetime3">
               <a:rPr lang="en-US" smtClean="0"/>
-              <a:t>25 February 2024</a:t>
+              <a:t>16 December 2025</a:t>
             </a:fld>
             <a:endParaRPr lang="en-US"/>
           </a:p>
@@ -8080,7 +8160,7 @@
             </a:pPr>
             <a:fld id="{E84513CC-386E-465A-BA6A-30F6981BE159}" type="datetime3">
               <a:rPr lang="en-US" smtClean="0"/>
-              <a:t>25 February 2024</a:t>
+              <a:t>16 December 2025</a:t>
             </a:fld>
             <a:endParaRPr lang="en-US"/>
           </a:p>
@@ -8440,7 +8520,7 @@
             </a:pPr>
             <a:fld id="{AD34042D-3D9D-4FC6-9B98-A2348A3B1F55}" type="datetime3">
               <a:rPr lang="en-US" smtClean="0"/>
-              <a:t>25 February 2024</a:t>
+              <a:t>16 December 2025</a:t>
             </a:fld>
             <a:endParaRPr lang="en-US"/>
           </a:p>
@@ -8998,7 +9078,7 @@
             </a:pPr>
             <a:fld id="{F88D8068-8654-4924-9BD1-7CDF87CD92A5}" type="datetime3">
               <a:rPr lang="en-US" smtClean="0"/>
-              <a:t>25 February 2024</a:t>
+              <a:t>16 December 2025</a:t>
             </a:fld>
             <a:endParaRPr lang="en-US"/>
           </a:p>
@@ -9422,7 +9502,7 @@
             </a:pPr>
             <a:fld id="{F2DD698F-3BD9-418E-A792-7D377A113FB1}" type="datetime3">
               <a:rPr lang="en-US" smtClean="0"/>
-              <a:t>25 February 2024</a:t>
+              <a:t>16 December 2025</a:t>
             </a:fld>
             <a:endParaRPr lang="en-US"/>
           </a:p>
@@ -9518,7 +9598,7 @@
             </a:pPr>
             <a:fld id="{E84513CC-386E-465A-BA6A-30F6981BE159}" type="datetime3">
               <a:rPr lang="en-US" smtClean="0"/>
-              <a:t>25 February 2024</a:t>
+              <a:t>16 December 2025</a:t>
             </a:fld>
             <a:endParaRPr lang="en-US"/>
           </a:p>
@@ -10222,7 +10302,7 @@
             </a:pPr>
             <a:fld id="{39FACAE6-9AE1-4F0B-B5CC-4BF41824B418}" type="datetime3">
               <a:rPr lang="en-US" smtClean="0"/>
-              <a:t>25 February 2024</a:t>
+              <a:t>16 December 2025</a:t>
             </a:fld>
             <a:endParaRPr lang="en-US"/>
           </a:p>
@@ -11663,7 +11743,7 @@
             </a:pPr>
             <a:fld id="{ADB65D6C-4348-4AC0-9BFF-00B252066DF6}" type="datetime3">
               <a:rPr lang="en-US" smtClean="0"/>
-              <a:t>25 February 2024</a:t>
+              <a:t>16 December 2025</a:t>
             </a:fld>
             <a:endParaRPr lang="en-US"/>
           </a:p>
@@ -11887,7 +11967,7 @@
             </a:pPr>
             <a:fld id="{EE124259-3191-46DA-AA9A-852595855449}" type="datetime3">
               <a:rPr lang="en-US" smtClean="0"/>
-              <a:t>25 February 2024</a:t>
+              <a:t>16 December 2025</a:t>
             </a:fld>
             <a:endParaRPr lang="en-US"/>
           </a:p>
@@ -12866,7 +12946,7 @@
             </a:pPr>
             <a:fld id="{B6F2AD38-D8BE-4BB7-BB5D-2984C81D5B9C}" type="datetime3">
               <a:rPr lang="en-US" smtClean="0"/>
-              <a:t>25 February 2024</a:t>
+              <a:t>16 December 2025</a:t>
             </a:fld>
             <a:endParaRPr lang="en-US"/>
           </a:p>
@@ -13112,7 +13192,7 @@
             </a:pPr>
             <a:fld id="{0EB6E69A-E8EE-4A35-B1E2-0DA7D146084C}" type="datetime3">
               <a:rPr lang="en-US" smtClean="0"/>
-              <a:t>25 February 2024</a:t>
+              <a:t>16 December 2025</a:t>
             </a:fld>
             <a:endParaRPr lang="en-US"/>
           </a:p>
@@ -13220,95 +13300,6 @@
       </p:sp>
       <p:sp>
         <p:nvSpPr>
-          <p:cNvPr id="6" name="Content Placeholder 2"/>
-          <p:cNvSpPr>
-            <a:spLocks noGrp="1"/>
-          </p:cNvSpPr>
-          <p:nvPr>
-            <p:ph idx="1"/>
-          </p:nvPr>
-        </p:nvSpPr>
-        <p:spPr>
-          <a:xfrm>
-            <a:off x="949329" y="1981200"/>
-            <a:ext cx="7661275" cy="4114800"/>
-          </a:xfrm>
-        </p:spPr>
-        <p:txBody>
-          <a:bodyPr/>
-          <a:lstStyle/>
-          <a:p>
-            <a:pPr marL="0" indent="0">
-              <a:buNone/>
-            </a:pPr>
-            <a:r>
-              <a:rPr lang="en-GB" sz="3500" dirty="0">
-                <a:latin typeface="Times New Roman" pitchFamily="18" charset="0"/>
-                <a:cs typeface="Times New Roman" pitchFamily="18" charset="0"/>
-              </a:rPr>
-              <a:t>In your course tutorial exercises, </a:t>
-            </a:r>
-          </a:p>
-          <a:p>
-            <a:pPr>
-              <a:buClrTx/>
-              <a:buFont typeface="Wingdings" pitchFamily="2" charset="2"/>
-              <a:buChar char="q"/>
-            </a:pPr>
-            <a:r>
-              <a:rPr lang="en-GB" sz="3500" dirty="0">
-                <a:latin typeface="Times New Roman" pitchFamily="18" charset="0"/>
-                <a:cs typeface="Times New Roman" pitchFamily="18" charset="0"/>
-              </a:rPr>
-              <a:t>Question no. 05</a:t>
-            </a:r>
-          </a:p>
-          <a:p>
-            <a:pPr>
-              <a:buClrTx/>
-              <a:buFont typeface="Wingdings" pitchFamily="2" charset="2"/>
-              <a:buChar char="q"/>
-            </a:pPr>
-            <a:r>
-              <a:rPr lang="en-GB" sz="3500" dirty="0">
-                <a:latin typeface="Times New Roman" pitchFamily="18" charset="0"/>
-                <a:cs typeface="Times New Roman" pitchFamily="18" charset="0"/>
-              </a:rPr>
-              <a:t>Question no. 06</a:t>
-            </a:r>
-          </a:p>
-          <a:p>
-            <a:pPr>
-              <a:buClrTx/>
-              <a:buFont typeface="Wingdings" pitchFamily="2" charset="2"/>
-              <a:buChar char="q"/>
-            </a:pPr>
-            <a:r>
-              <a:rPr lang="en-GB" sz="3500" dirty="0">
-                <a:latin typeface="Times New Roman" pitchFamily="18" charset="0"/>
-                <a:cs typeface="Times New Roman" pitchFamily="18" charset="0"/>
-              </a:rPr>
-              <a:t>Question no. 07</a:t>
-            </a:r>
-          </a:p>
-          <a:p>
-            <a:pPr>
-              <a:buClrTx/>
-              <a:buFont typeface="Wingdings" pitchFamily="2" charset="2"/>
-              <a:buChar char="q"/>
-            </a:pPr>
-            <a:r>
-              <a:rPr lang="en-GB" sz="3500" dirty="0">
-                <a:latin typeface="Times New Roman" pitchFamily="18" charset="0"/>
-                <a:cs typeface="Times New Roman" pitchFamily="18" charset="0"/>
-              </a:rPr>
-              <a:t>Question no. 16</a:t>
-            </a:r>
-          </a:p>
-        </p:txBody>
-      </p:sp>
-      <p:sp>
-        <p:nvSpPr>
           <p:cNvPr id="4" name="Slide Number Placeholder 3"/>
           <p:cNvSpPr>
             <a:spLocks noGrp="1"/>
@@ -13362,7 +13353,7 @@
             </a:pPr>
             <a:fld id="{E9EF4D00-61EE-4569-A1E2-EA8BC7728858}" type="datetime3">
               <a:rPr lang="en-US" smtClean="0"/>
-              <a:t>25 February 2024</a:t>
+              <a:t>16 December 2025</a:t>
             </a:fld>
             <a:endParaRPr lang="en-US"/>
           </a:p>
@@ -13396,6 +13387,78 @@
               <a:rPr lang="en-US"/>
               <a:t>T. Mayooran</a:t>
             </a:r>
+          </a:p>
+        </p:txBody>
+      </p:sp>
+      <p:sp>
+        <p:nvSpPr>
+          <p:cNvPr id="7" name="TextBox 6">
+            <a:extLst>
+              <a:ext uri="{FF2B5EF4-FFF2-40B4-BE49-F238E27FC236}">
+                <a16:creationId xmlns:a16="http://schemas.microsoft.com/office/drawing/2014/main" id="{DB03B745-C6DC-5D15-6834-8DE6AD873403}"/>
+              </a:ext>
+            </a:extLst>
+          </p:cNvPr>
+          <p:cNvSpPr txBox="1"/>
+          <p:nvPr/>
+        </p:nvSpPr>
+        <p:spPr>
+          <a:xfrm>
+            <a:off x="838200" y="2133600"/>
+            <a:ext cx="7696200" cy="2677656"/>
+          </a:xfrm>
+          <a:prstGeom prst="rect">
+            <a:avLst/>
+          </a:prstGeom>
+          <a:noFill/>
+        </p:spPr>
+        <p:txBody>
+          <a:bodyPr wrap="square" rtlCol="0">
+            <a:spAutoFit/>
+          </a:bodyPr>
+          <a:lstStyle/>
+          <a:p>
+            <a:pPr algn="just"/>
+            <a:r>
+              <a:rPr lang="en-US" sz="2400" dirty="0">
+                <a:latin typeface="Corbel" panose="020B0503020204020204" pitchFamily="34" charset="0"/>
+              </a:rPr>
+              <a:t>Please visit the course page for Week 2 and complete the exercises listed in the "Practice" section under the title </a:t>
+            </a:r>
+            <a:r>
+              <a:rPr lang="en-US" sz="2400" b="1" dirty="0">
+                <a:latin typeface="Corbel" panose="020B0503020204020204" pitchFamily="34" charset="0"/>
+              </a:rPr>
+              <a:t>"Practice Problems.“</a:t>
+            </a:r>
+          </a:p>
+          <a:p>
+            <a:pPr algn="just"/>
+            <a:endParaRPr lang="en-US" sz="2400" dirty="0">
+              <a:latin typeface="Corbel" panose="020B0503020204020204" pitchFamily="34" charset="0"/>
+            </a:endParaRPr>
+          </a:p>
+          <a:p>
+            <a:pPr algn="just"/>
+            <a:r>
+              <a:rPr lang="en-US" sz="2400" dirty="0">
+                <a:latin typeface="Corbel" panose="020B0503020204020204" pitchFamily="34" charset="0"/>
+              </a:rPr>
+              <a:t>You can find them here: </a:t>
+            </a:r>
+          </a:p>
+          <a:p>
+            <a:pPr algn="just"/>
+            <a:r>
+              <a:rPr lang="en-US" sz="2400" dirty="0">
+                <a:latin typeface="Corbel" panose="020B0503020204020204" pitchFamily="34" charset="0"/>
+                <a:hlinkClick r:id="rId2"/>
+              </a:rPr>
+              <a:t>https://mayooran1987.github.io/MC3020_E24/weeks/week-2.html</a:t>
+            </a:r>
+            <a:endParaRPr lang="en-US" sz="2400" dirty="0">
+              <a:latin typeface="Corbel" panose="020B0503020204020204" pitchFamily="34" charset="0"/>
+            </a:endParaRPr>
           </a:p>
         </p:txBody>
       </p:sp>
@@ -13458,7 +13521,7 @@
             </a:pPr>
             <a:fld id="{E84513CC-386E-465A-BA6A-30F6981BE159}" type="datetime3">
               <a:rPr lang="en-US" smtClean="0"/>
-              <a:t>25 February 2024</a:t>
+              <a:t>16 December 2025</a:t>
             </a:fld>
             <a:endParaRPr lang="en-US"/>
           </a:p>
@@ -14186,7 +14249,7 @@
             </a:pPr>
             <a:fld id="{88CA511A-0CB3-4831-BDF9-10D3D1622EF6}" type="datetime3">
               <a:rPr lang="en-US" smtClean="0"/>
-              <a:t>25 February 2024</a:t>
+              <a:t>16 December 2025</a:t>
             </a:fld>
             <a:endParaRPr lang="en-US"/>
           </a:p>
@@ -15022,7 +15085,7 @@
             </a:pPr>
             <a:fld id="{3E1AA7E2-38AE-438C-8949-ABBD868B8326}" type="datetime3">
               <a:rPr lang="en-US" smtClean="0"/>
-              <a:t>25 February 2024</a:t>
+              <a:t>16 December 2025</a:t>
             </a:fld>
             <a:endParaRPr lang="en-US"/>
           </a:p>
@@ -15562,7 +15625,7 @@
             </a:pPr>
             <a:fld id="{6A1592CA-4315-4238-AD66-2149C2A8E6FC}" type="datetime3">
               <a:rPr lang="en-US" smtClean="0"/>
-              <a:t>25 February 2024</a:t>
+              <a:t>16 December 2025</a:t>
             </a:fld>
             <a:endParaRPr lang="en-US"/>
           </a:p>
@@ -15890,7 +15953,7 @@
             </a:pPr>
             <a:fld id="{1CF7A16D-5561-4894-B820-D1114137ADA5}" type="datetime3">
               <a:rPr lang="en-US" smtClean="0"/>
-              <a:t>25 February 2024</a:t>
+              <a:t>16 December 2025</a:t>
             </a:fld>
             <a:endParaRPr lang="en-US"/>
           </a:p>
@@ -16198,7 +16261,7 @@
             </a:pPr>
             <a:fld id="{E3388B9F-6703-4857-BB71-2C0F330A4C22}" type="datetime3">
               <a:rPr lang="en-US" smtClean="0"/>
-              <a:t>25 February 2024</a:t>
+              <a:t>16 December 2025</a:t>
             </a:fld>
             <a:endParaRPr lang="en-US"/>
           </a:p>
@@ -16758,7 +16821,7 @@
             </a:pPr>
             <a:fld id="{1B167F89-51DE-4E5A-9643-6D09BE10EC3C}" type="datetime3">
               <a:rPr lang="en-US" smtClean="0"/>
-              <a:t>25 February 2024</a:t>
+              <a:t>16 December 2025</a:t>
             </a:fld>
             <a:endParaRPr lang="en-US"/>
           </a:p>
@@ -16961,7 +17024,7 @@
             </a:pPr>
             <a:fld id="{1E7A21E6-A7EE-4EAE-B102-2A5E242977C6}" type="datetime3">
               <a:rPr lang="en-US" smtClean="0"/>
-              <a:t>25 February 2024</a:t>
+              <a:t>16 December 2025</a:t>
             </a:fld>
             <a:endParaRPr lang="en-US"/>
           </a:p>
@@ -17019,7 +17082,13 @@
   <p:cSld>
     <p:spTree>
       <p:nvGrpSpPr>
-        <p:cNvPr id="1" name=""/>
+        <p:cNvPr id="1" name="">
+          <a:extLst>
+            <a:ext uri="{FF2B5EF4-FFF2-40B4-BE49-F238E27FC236}">
+              <a16:creationId xmlns:a16="http://schemas.microsoft.com/office/drawing/2014/main" id="{F22FAE69-D3A9-A97F-B0A8-7B33081B240E}"/>
+            </a:ext>
+          </a:extLst>
+        </p:cNvPr>
         <p:cNvGrpSpPr/>
         <p:nvPr/>
       </p:nvGrpSpPr>
@@ -17033,7 +17102,13 @@
       </p:grpSpPr>
       <p:sp>
         <p:nvSpPr>
-          <p:cNvPr id="2" name="Title 1"/>
+          <p:cNvPr id="2" name="Title 1">
+            <a:extLst>
+              <a:ext uri="{FF2B5EF4-FFF2-40B4-BE49-F238E27FC236}">
+                <a16:creationId xmlns:a16="http://schemas.microsoft.com/office/drawing/2014/main" id="{D51F5954-1B3D-6319-2B9E-05A939B195EB}"/>
+              </a:ext>
+            </a:extLst>
+          </p:cNvPr>
           <p:cNvSpPr>
             <a:spLocks noGrp="1"/>
           </p:cNvSpPr>
@@ -17069,82 +17144,13 @@
       </p:sp>
       <p:sp>
         <p:nvSpPr>
-          <p:cNvPr id="6" name="Content Placeholder 2"/>
-          <p:cNvSpPr>
-            <a:spLocks noGrp="1"/>
-          </p:cNvSpPr>
-          <p:nvPr>
-            <p:ph idx="1"/>
-          </p:nvPr>
-        </p:nvSpPr>
-        <p:spPr>
-          <a:xfrm>
-            <a:off x="949329" y="1981200"/>
-            <a:ext cx="7661275" cy="4114800"/>
-          </a:xfrm>
-        </p:spPr>
-        <p:txBody>
-          <a:bodyPr/>
-          <a:lstStyle/>
-          <a:p>
-            <a:pPr marL="0" indent="0">
-              <a:buNone/>
-            </a:pPr>
-            <a:r>
-              <a:rPr lang="en-GB" sz="3500" dirty="0">
-                <a:latin typeface="Times New Roman" pitchFamily="18" charset="0"/>
-                <a:cs typeface="Times New Roman" pitchFamily="18" charset="0"/>
-              </a:rPr>
-              <a:t>In your course tutorial exercises, </a:t>
-            </a:r>
-          </a:p>
-          <a:p>
-            <a:pPr>
-              <a:buClrTx/>
-              <a:buFont typeface="Wingdings" pitchFamily="2" charset="2"/>
-              <a:buChar char="q"/>
-            </a:pPr>
-            <a:r>
-              <a:rPr lang="en-GB" sz="3500" dirty="0">
-                <a:latin typeface="Times New Roman" pitchFamily="18" charset="0"/>
-                <a:cs typeface="Times New Roman" pitchFamily="18" charset="0"/>
-              </a:rPr>
-              <a:t>Question no. 08</a:t>
-            </a:r>
-          </a:p>
-          <a:p>
-            <a:pPr>
-              <a:buClrTx/>
-              <a:buFont typeface="Wingdings" pitchFamily="2" charset="2"/>
-              <a:buChar char="q"/>
-            </a:pPr>
-            <a:r>
-              <a:rPr lang="en-GB" sz="3500" dirty="0">
-                <a:latin typeface="Times New Roman" pitchFamily="18" charset="0"/>
-                <a:cs typeface="Times New Roman" pitchFamily="18" charset="0"/>
-              </a:rPr>
-              <a:t>Question no. 09</a:t>
-            </a:r>
-          </a:p>
-          <a:p>
-            <a:pPr>
-              <a:buClrTx/>
-              <a:buFont typeface="Wingdings" pitchFamily="2" charset="2"/>
-              <a:buChar char="q"/>
-            </a:pPr>
-            <a:r>
-              <a:rPr lang="en-GB" sz="3500" dirty="0">
-                <a:latin typeface="Times New Roman" pitchFamily="18" charset="0"/>
-                <a:cs typeface="Times New Roman" pitchFamily="18" charset="0"/>
-              </a:rPr>
-              <a:t>Question no. 17</a:t>
-            </a:r>
-          </a:p>
-        </p:txBody>
-      </p:sp>
-      <p:sp>
-        <p:nvSpPr>
-          <p:cNvPr id="4" name="Slide Number Placeholder 3"/>
+          <p:cNvPr id="4" name="Slide Number Placeholder 3">
+            <a:extLst>
+              <a:ext uri="{FF2B5EF4-FFF2-40B4-BE49-F238E27FC236}">
+                <a16:creationId xmlns:a16="http://schemas.microsoft.com/office/drawing/2014/main" id="{4698CE0D-F454-4560-CAAA-B347F1E4BBAB}"/>
+              </a:ext>
+            </a:extLst>
+          </p:cNvPr>
           <p:cNvSpPr>
             <a:spLocks noGrp="1"/>
           </p:cNvSpPr>
@@ -17176,7 +17182,7 @@
           <p:cNvPr id="3" name="Date Placeholder 2">
             <a:extLst>
               <a:ext uri="{FF2B5EF4-FFF2-40B4-BE49-F238E27FC236}">
-                <a16:creationId xmlns:a16="http://schemas.microsoft.com/office/drawing/2014/main" id="{DE4FEBEE-36CD-44C5-A16A-8CE0F814A728}"/>
+                <a16:creationId xmlns:a16="http://schemas.microsoft.com/office/drawing/2014/main" id="{895BE999-925D-5E48-68A7-18781A1EE276}"/>
               </a:ext>
             </a:extLst>
           </p:cNvPr>
@@ -17195,9 +17201,9 @@
             <a:pPr>
               <a:defRPr/>
             </a:pPr>
-            <a:fld id="{B426EADD-E9EA-4B10-9F1D-599BEBF165AA}" type="datetime3">
+            <a:fld id="{E9EF4D00-61EE-4569-A1E2-EA8BC7728858}" type="datetime3">
               <a:rPr lang="en-US" smtClean="0"/>
-              <a:t>25 February 2024</a:t>
+              <a:t>16 December 2025</a:t>
             </a:fld>
             <a:endParaRPr lang="en-US"/>
           </a:p>
@@ -17208,7 +17214,7 @@
           <p:cNvPr id="5" name="Footer Placeholder 4">
             <a:extLst>
               <a:ext uri="{FF2B5EF4-FFF2-40B4-BE49-F238E27FC236}">
-                <a16:creationId xmlns:a16="http://schemas.microsoft.com/office/drawing/2014/main" id="{04C582E0-1066-4563-AB20-F8B291AB03D4}"/>
+                <a16:creationId xmlns:a16="http://schemas.microsoft.com/office/drawing/2014/main" id="{10BD74EF-F0C8-ADA8-15E2-06C100D282E5}"/>
               </a:ext>
             </a:extLst>
           </p:cNvPr>
@@ -17234,10 +17240,82 @@
           </a:p>
         </p:txBody>
       </p:sp>
+      <p:sp>
+        <p:nvSpPr>
+          <p:cNvPr id="7" name="TextBox 6">
+            <a:extLst>
+              <a:ext uri="{FF2B5EF4-FFF2-40B4-BE49-F238E27FC236}">
+                <a16:creationId xmlns:a16="http://schemas.microsoft.com/office/drawing/2014/main" id="{798DC929-1457-F404-C90C-775E99118218}"/>
+              </a:ext>
+            </a:extLst>
+          </p:cNvPr>
+          <p:cNvSpPr txBox="1"/>
+          <p:nvPr/>
+        </p:nvSpPr>
+        <p:spPr>
+          <a:xfrm>
+            <a:off x="838200" y="2133600"/>
+            <a:ext cx="7696200" cy="2677656"/>
+          </a:xfrm>
+          <a:prstGeom prst="rect">
+            <a:avLst/>
+          </a:prstGeom>
+          <a:noFill/>
+        </p:spPr>
+        <p:txBody>
+          <a:bodyPr wrap="square" rtlCol="0">
+            <a:spAutoFit/>
+          </a:bodyPr>
+          <a:lstStyle/>
+          <a:p>
+            <a:pPr algn="just"/>
+            <a:r>
+              <a:rPr lang="en-US" sz="2400" dirty="0">
+                <a:latin typeface="Corbel" panose="020B0503020204020204" pitchFamily="34" charset="0"/>
+              </a:rPr>
+              <a:t>Please visit the course page for Week 2 and complete the exercises listed in the "Practice" section under the title </a:t>
+            </a:r>
+            <a:r>
+              <a:rPr lang="en-US" sz="2400" b="1" dirty="0">
+                <a:latin typeface="Corbel" panose="020B0503020204020204" pitchFamily="34" charset="0"/>
+              </a:rPr>
+              <a:t>"Practice Problems.“</a:t>
+            </a:r>
+          </a:p>
+          <a:p>
+            <a:pPr algn="just"/>
+            <a:endParaRPr lang="en-US" sz="2400" dirty="0">
+              <a:latin typeface="Corbel" panose="020B0503020204020204" pitchFamily="34" charset="0"/>
+            </a:endParaRPr>
+          </a:p>
+          <a:p>
+            <a:pPr algn="just"/>
+            <a:r>
+              <a:rPr lang="en-US" sz="2400" dirty="0">
+                <a:latin typeface="Corbel" panose="020B0503020204020204" pitchFamily="34" charset="0"/>
+              </a:rPr>
+              <a:t>You can find them here: </a:t>
+            </a:r>
+          </a:p>
+          <a:p>
+            <a:pPr algn="just"/>
+            <a:r>
+              <a:rPr lang="en-US" sz="2400" dirty="0">
+                <a:latin typeface="Corbel" panose="020B0503020204020204" pitchFamily="34" charset="0"/>
+                <a:hlinkClick r:id="rId2"/>
+              </a:rPr>
+              <a:t>https://mayooran1987.github.io/MC3020_E24/weeks/week-2.html</a:t>
+            </a:r>
+            <a:endParaRPr lang="en-US" sz="2400" dirty="0">
+              <a:latin typeface="Corbel" panose="020B0503020204020204" pitchFamily="34" charset="0"/>
+            </a:endParaRPr>
+          </a:p>
+        </p:txBody>
+      </p:sp>
     </p:spTree>
     <p:extLst>
       <p:ext uri="{BB962C8B-B14F-4D97-AF65-F5344CB8AC3E}">
-        <p14:creationId xmlns:p14="http://schemas.microsoft.com/office/powerpoint/2010/main" val="4173003297"/>
+        <p14:creationId xmlns:p14="http://schemas.microsoft.com/office/powerpoint/2010/main" val="4229818888"/>
       </p:ext>
     </p:extLst>
   </p:cSld>
@@ -17363,7 +17441,7 @@
             </a:pPr>
             <a:fld id="{E5976918-E21D-4366-A99A-8F0C4B673D1F}" type="datetime3">
               <a:rPr lang="en-US" smtClean="0"/>
-              <a:t>25 February 2024</a:t>
+              <a:t>16 December 2025</a:t>
             </a:fld>
             <a:endParaRPr lang="en-US"/>
           </a:p>
@@ -17705,7 +17783,7 @@
             </a:pPr>
             <a:fld id="{EEB8F818-3AE2-49EE-A2AD-A9C1FD59581A}" type="datetime3">
               <a:rPr lang="en-US" smtClean="0"/>
-              <a:t>25 February 2024</a:t>
+              <a:t>16 December 2025</a:t>
             </a:fld>
             <a:endParaRPr lang="en-US"/>
           </a:p>
@@ -18176,7 +18254,7 @@
             </a:pPr>
             <a:fld id="{98CA9101-7B80-438D-B9F9-D90458832093}" type="datetime3">
               <a:rPr lang="en-US" smtClean="0"/>
-              <a:t>25 February 2024</a:t>
+              <a:t>16 December 2025</a:t>
             </a:fld>
             <a:endParaRPr lang="en-US"/>
           </a:p>
@@ -18454,7 +18532,7 @@
             </a:pPr>
             <a:fld id="{A353ED53-EFF6-4FE4-85A5-FAC6FA6431BF}" type="datetime3">
               <a:rPr lang="en-US" smtClean="0"/>
-              <a:t>25 February 2024</a:t>
+              <a:t>16 December 2025</a:t>
             </a:fld>
             <a:endParaRPr lang="en-US"/>
           </a:p>
@@ -18711,7 +18789,7 @@
             </a:pPr>
             <a:fld id="{5AB3E753-C921-4F16-BBD6-D8C2B0D6C0FA}" type="datetime3">
               <a:rPr lang="en-US" smtClean="0"/>
-              <a:t>25 February 2024</a:t>
+              <a:t>16 December 2025</a:t>
             </a:fld>
             <a:endParaRPr lang="en-US"/>
           </a:p>
@@ -20081,7 +20159,7 @@
             </a:pPr>
             <a:fld id="{B8962B9F-E6B6-432A-AA4C-8551F038804E}" type="datetime3">
               <a:rPr lang="en-US" smtClean="0"/>
-              <a:t>25 February 2024</a:t>
+              <a:t>16 December 2025</a:t>
             </a:fld>
             <a:endParaRPr lang="en-US"/>
           </a:p>
@@ -20413,7 +20491,7 @@
             </a:pPr>
             <a:fld id="{E6BFBD91-ED7F-45FC-B809-AC0E7C9C9CF3}" type="datetime3">
               <a:rPr lang="en-US" smtClean="0"/>
-              <a:t>25 February 2024</a:t>
+              <a:t>16 December 2025</a:t>
             </a:fld>
             <a:endParaRPr lang="en-US"/>
           </a:p>
@@ -20670,7 +20748,7 @@
             </a:pPr>
             <a:fld id="{70A7DE80-08CF-4BC0-B5E4-33AAC1BEC369}" type="datetime3">
               <a:rPr lang="en-US" smtClean="0"/>
-              <a:t>25 February 2024</a:t>
+              <a:t>16 December 2025</a:t>
             </a:fld>
             <a:endParaRPr lang="en-US"/>
           </a:p>
@@ -21056,7 +21134,7 @@
             </a:pPr>
             <a:fld id="{C755EF04-B0E8-45CA-91C9-E01B1BAF11A0}" type="datetime3">
               <a:rPr lang="en-US" smtClean="0"/>
-              <a:t>25 February 2024</a:t>
+              <a:t>16 December 2025</a:t>
             </a:fld>
             <a:endParaRPr lang="en-US"/>
           </a:p>
@@ -21346,12 +21424,12 @@
           <a:graphicData uri="http://schemas.openxmlformats.org/presentationml/2006/ole">
             <mc:AlternateContent xmlns:mc="http://schemas.openxmlformats.org/markup-compatibility/2006">
               <mc:Choice xmlns:v="urn:schemas-microsoft-com:vml" Requires="v">
-                <p:oleObj name="Equation" r:id="rId7" imgW="2781000" imgH="203040" progId="Equation.3">
+                <p:oleObj name="Equation" r:id="rId4" imgW="2781000" imgH="203040" progId="Equation.3">
                   <p:embed/>
                 </p:oleObj>
               </mc:Choice>
               <mc:Fallback>
-                <p:oleObj name="Equation" r:id="rId7" imgW="2781000" imgH="203040" progId="Equation.3">
+                <p:oleObj name="Equation" r:id="rId4" imgW="2781000" imgH="203040" progId="Equation.3">
                   <p:embed/>
                   <p:pic>
                     <p:nvPicPr>
@@ -21436,7 +21514,7 @@
             </a:pPr>
             <a:fld id="{4967952A-FAC5-4532-A65B-61C08D7A309F}" type="datetime3">
               <a:rPr lang="en-US" smtClean="0"/>
-              <a:t>25 February 2024</a:t>
+              <a:t>16 December 2025</a:t>
             </a:fld>
             <a:endParaRPr lang="en-US"/>
           </a:p>
@@ -21758,7 +21836,7 @@
             </a:pPr>
             <a:fld id="{B8111191-3A4D-4B9C-A42F-94960EF056CE}" type="datetime3">
               <a:rPr lang="en-US" smtClean="0"/>
-              <a:t>25 February 2024</a:t>
+              <a:t>16 December 2025</a:t>
             </a:fld>
             <a:endParaRPr lang="en-US"/>
           </a:p>
@@ -22275,7 +22353,7 @@
             </a:pPr>
             <a:fld id="{5D897CCF-6D2F-4795-9715-E8C554639C8B}" type="datetime3">
               <a:rPr lang="en-US" smtClean="0"/>
-              <a:t>25 February 2024</a:t>
+              <a:t>16 December 2025</a:t>
             </a:fld>
             <a:endParaRPr lang="en-US"/>
           </a:p>
@@ -22333,7 +22411,13 @@
   <p:cSld>
     <p:spTree>
       <p:nvGrpSpPr>
-        <p:cNvPr id="1" name=""/>
+        <p:cNvPr id="1" name="">
+          <a:extLst>
+            <a:ext uri="{FF2B5EF4-FFF2-40B4-BE49-F238E27FC236}">
+              <a16:creationId xmlns:a16="http://schemas.microsoft.com/office/drawing/2014/main" id="{CE69C6A8-FCD8-CB75-238E-4B8638D96AA5}"/>
+            </a:ext>
+          </a:extLst>
+        </p:cNvPr>
         <p:cNvGrpSpPr/>
         <p:nvPr/>
       </p:nvGrpSpPr>
@@ -22347,7 +22431,13 @@
       </p:grpSpPr>
       <p:sp>
         <p:nvSpPr>
-          <p:cNvPr id="2" name="Title 1"/>
+          <p:cNvPr id="2" name="Title 1">
+            <a:extLst>
+              <a:ext uri="{FF2B5EF4-FFF2-40B4-BE49-F238E27FC236}">
+                <a16:creationId xmlns:a16="http://schemas.microsoft.com/office/drawing/2014/main" id="{C2EF6E59-D548-6B7F-9049-615FA400C64A}"/>
+              </a:ext>
+            </a:extLst>
+          </p:cNvPr>
           <p:cNvSpPr>
             <a:spLocks noGrp="1"/>
           </p:cNvSpPr>
@@ -22383,82 +22473,13 @@
       </p:sp>
       <p:sp>
         <p:nvSpPr>
-          <p:cNvPr id="6" name="Content Placeholder 2"/>
-          <p:cNvSpPr>
-            <a:spLocks noGrp="1"/>
-          </p:cNvSpPr>
-          <p:nvPr>
-            <p:ph idx="1"/>
-          </p:nvPr>
-        </p:nvSpPr>
-        <p:spPr>
-          <a:xfrm>
-            <a:off x="796929" y="1676400"/>
-            <a:ext cx="7661275" cy="4114800"/>
-          </a:xfrm>
-        </p:spPr>
-        <p:txBody>
-          <a:bodyPr/>
-          <a:lstStyle/>
-          <a:p>
-            <a:pPr marL="0" indent="0">
-              <a:buNone/>
-            </a:pPr>
-            <a:r>
-              <a:rPr lang="en-GB" sz="3500" dirty="0">
-                <a:latin typeface="Times New Roman" pitchFamily="18" charset="0"/>
-                <a:cs typeface="Times New Roman" pitchFamily="18" charset="0"/>
-              </a:rPr>
-              <a:t>In your course tutorial exercises, </a:t>
-            </a:r>
-          </a:p>
-          <a:p>
-            <a:pPr>
-              <a:buClrTx/>
-              <a:buFont typeface="Wingdings" pitchFamily="2" charset="2"/>
-              <a:buChar char="q"/>
-            </a:pPr>
-            <a:r>
-              <a:rPr lang="en-GB" sz="3500" dirty="0">
-                <a:latin typeface="Times New Roman" pitchFamily="18" charset="0"/>
-                <a:cs typeface="Times New Roman" pitchFamily="18" charset="0"/>
-              </a:rPr>
-              <a:t>Question no. 10</a:t>
-            </a:r>
-          </a:p>
-          <a:p>
-            <a:pPr>
-              <a:buClrTx/>
-              <a:buFont typeface="Wingdings" pitchFamily="2" charset="2"/>
-              <a:buChar char="q"/>
-            </a:pPr>
-            <a:r>
-              <a:rPr lang="en-GB" sz="3500" dirty="0">
-                <a:latin typeface="Times New Roman" pitchFamily="18" charset="0"/>
-                <a:cs typeface="Times New Roman" pitchFamily="18" charset="0"/>
-              </a:rPr>
-              <a:t>Question no. 11</a:t>
-            </a:r>
-          </a:p>
-          <a:p>
-            <a:pPr>
-              <a:buClrTx/>
-              <a:buFont typeface="Wingdings" pitchFamily="2" charset="2"/>
-              <a:buChar char="q"/>
-            </a:pPr>
-            <a:r>
-              <a:rPr lang="en-GB" sz="3500" dirty="0">
-                <a:latin typeface="Times New Roman" pitchFamily="18" charset="0"/>
-                <a:cs typeface="Times New Roman" pitchFamily="18" charset="0"/>
-              </a:rPr>
-              <a:t>Question no. 15</a:t>
-            </a:r>
-          </a:p>
-        </p:txBody>
-      </p:sp>
-      <p:sp>
-        <p:nvSpPr>
-          <p:cNvPr id="4" name="Slide Number Placeholder 3"/>
+          <p:cNvPr id="4" name="Slide Number Placeholder 3">
+            <a:extLst>
+              <a:ext uri="{FF2B5EF4-FFF2-40B4-BE49-F238E27FC236}">
+                <a16:creationId xmlns:a16="http://schemas.microsoft.com/office/drawing/2014/main" id="{543BC94B-5F2D-F5DF-F7C4-0336A8EEB35C}"/>
+              </a:ext>
+            </a:extLst>
+          </p:cNvPr>
           <p:cNvSpPr>
             <a:spLocks noGrp="1"/>
           </p:cNvSpPr>
@@ -22490,7 +22511,7 @@
           <p:cNvPr id="3" name="Date Placeholder 2">
             <a:extLst>
               <a:ext uri="{FF2B5EF4-FFF2-40B4-BE49-F238E27FC236}">
-                <a16:creationId xmlns:a16="http://schemas.microsoft.com/office/drawing/2014/main" id="{D31C2295-F879-487F-8A52-9E2C07404103}"/>
+                <a16:creationId xmlns:a16="http://schemas.microsoft.com/office/drawing/2014/main" id="{0947D131-33C1-9C62-CFF1-2BA376E99375}"/>
               </a:ext>
             </a:extLst>
           </p:cNvPr>
@@ -22509,9 +22530,9 @@
             <a:pPr>
               <a:defRPr/>
             </a:pPr>
-            <a:fld id="{D0FA1C7F-455E-44F1-9B60-4F35947B313F}" type="datetime3">
+            <a:fld id="{E9EF4D00-61EE-4569-A1E2-EA8BC7728858}" type="datetime3">
               <a:rPr lang="en-US" smtClean="0"/>
-              <a:t>25 February 2024</a:t>
+              <a:t>16 December 2025</a:t>
             </a:fld>
             <a:endParaRPr lang="en-US"/>
           </a:p>
@@ -22522,7 +22543,7 @@
           <p:cNvPr id="5" name="Footer Placeholder 4">
             <a:extLst>
               <a:ext uri="{FF2B5EF4-FFF2-40B4-BE49-F238E27FC236}">
-                <a16:creationId xmlns:a16="http://schemas.microsoft.com/office/drawing/2014/main" id="{C88539EA-3407-426B-83B5-1457FA77197C}"/>
+                <a16:creationId xmlns:a16="http://schemas.microsoft.com/office/drawing/2014/main" id="{FE3DAB85-DF49-D333-B343-DD8787AAE92D}"/>
               </a:ext>
             </a:extLst>
           </p:cNvPr>
@@ -22548,10 +22569,82 @@
           </a:p>
         </p:txBody>
       </p:sp>
+      <p:sp>
+        <p:nvSpPr>
+          <p:cNvPr id="7" name="TextBox 6">
+            <a:extLst>
+              <a:ext uri="{FF2B5EF4-FFF2-40B4-BE49-F238E27FC236}">
+                <a16:creationId xmlns:a16="http://schemas.microsoft.com/office/drawing/2014/main" id="{A6A3C5F8-DB06-CFA5-5BA2-4A979EFFBE45}"/>
+              </a:ext>
+            </a:extLst>
+          </p:cNvPr>
+          <p:cNvSpPr txBox="1"/>
+          <p:nvPr/>
+        </p:nvSpPr>
+        <p:spPr>
+          <a:xfrm>
+            <a:off x="838200" y="2133600"/>
+            <a:ext cx="7696200" cy="2677656"/>
+          </a:xfrm>
+          <a:prstGeom prst="rect">
+            <a:avLst/>
+          </a:prstGeom>
+          <a:noFill/>
+        </p:spPr>
+        <p:txBody>
+          <a:bodyPr wrap="square" rtlCol="0">
+            <a:spAutoFit/>
+          </a:bodyPr>
+          <a:lstStyle/>
+          <a:p>
+            <a:pPr algn="just"/>
+            <a:r>
+              <a:rPr lang="en-US" sz="2400" dirty="0">
+                <a:latin typeface="Corbel" panose="020B0503020204020204" pitchFamily="34" charset="0"/>
+              </a:rPr>
+              <a:t>Please visit the course page for Week 2 and complete the exercises listed in the "Practice" section under the title </a:t>
+            </a:r>
+            <a:r>
+              <a:rPr lang="en-US" sz="2400" b="1" dirty="0">
+                <a:latin typeface="Corbel" panose="020B0503020204020204" pitchFamily="34" charset="0"/>
+              </a:rPr>
+              <a:t>"Practice Problems.“</a:t>
+            </a:r>
+          </a:p>
+          <a:p>
+            <a:pPr algn="just"/>
+            <a:endParaRPr lang="en-US" sz="2400" dirty="0">
+              <a:latin typeface="Corbel" panose="020B0503020204020204" pitchFamily="34" charset="0"/>
+            </a:endParaRPr>
+          </a:p>
+          <a:p>
+            <a:pPr algn="just"/>
+            <a:r>
+              <a:rPr lang="en-US" sz="2400" dirty="0">
+                <a:latin typeface="Corbel" panose="020B0503020204020204" pitchFamily="34" charset="0"/>
+              </a:rPr>
+              <a:t>You can find them here: </a:t>
+            </a:r>
+          </a:p>
+          <a:p>
+            <a:pPr algn="just"/>
+            <a:r>
+              <a:rPr lang="en-US" sz="2400" dirty="0">
+                <a:latin typeface="Corbel" panose="020B0503020204020204" pitchFamily="34" charset="0"/>
+                <a:hlinkClick r:id="rId2"/>
+              </a:rPr>
+              <a:t>https://mayooran1987.github.io/MC3020_E24/weeks/week-2.html</a:t>
+            </a:r>
+            <a:endParaRPr lang="en-US" sz="2400" dirty="0">
+              <a:latin typeface="Corbel" panose="020B0503020204020204" pitchFamily="34" charset="0"/>
+            </a:endParaRPr>
+          </a:p>
+        </p:txBody>
+      </p:sp>
     </p:spTree>
     <p:extLst>
       <p:ext uri="{BB962C8B-B14F-4D97-AF65-F5344CB8AC3E}">
-        <p14:creationId xmlns:p14="http://schemas.microsoft.com/office/powerpoint/2010/main" val="3418450939"/>
+        <p14:creationId xmlns:p14="http://schemas.microsoft.com/office/powerpoint/2010/main" val="1129781313"/>
       </p:ext>
     </p:extLst>
   </p:cSld>
@@ -22690,7 +22783,7 @@
             </a:pPr>
             <a:fld id="{7C5C2DBB-6B56-42CD-916A-3425A3F1F19D}" type="datetime3">
               <a:rPr lang="en-US" smtClean="0"/>
-              <a:t>25 February 2024</a:t>
+              <a:t>16 December 2025</a:t>
             </a:fld>
             <a:endParaRPr lang="en-US"/>
           </a:p>
@@ -23542,7 +23635,7 @@
             </a:pPr>
             <a:fld id="{BF23377F-D136-4709-9F5F-D22F5476FF57}" type="datetime3">
               <a:rPr lang="en-US" smtClean="0"/>
-              <a:t>25 February 2024</a:t>
+              <a:t>16 December 2025</a:t>
             </a:fld>
             <a:endParaRPr lang="en-US"/>
           </a:p>
@@ -23929,7 +24022,7 @@
             </a:pPr>
             <a:fld id="{1DB100C2-340C-49A5-BBEB-11104182BC52}" type="datetime3">
               <a:rPr lang="en-US" smtClean="0"/>
-              <a:t>25 February 2024</a:t>
+              <a:t>16 December 2025</a:t>
             </a:fld>
             <a:endParaRPr lang="en-US"/>
           </a:p>
@@ -26199,7 +26292,7 @@
             </a:pPr>
             <a:fld id="{681C6843-FF4B-4CC3-9D83-019110DBFF94}" type="datetime3">
               <a:rPr lang="en-US" smtClean="0"/>
-              <a:t>25 February 2024</a:t>
+              <a:t>16 December 2025</a:t>
             </a:fld>
             <a:endParaRPr lang="en-US"/>
           </a:p>
@@ -26365,7 +26458,7 @@
             </a:pPr>
             <a:fld id="{5859AEBA-F6AB-49EE-8780-913E8CDDEBD0}" type="datetime3">
               <a:rPr lang="en-US" smtClean="0"/>
-              <a:t>25 February 2024</a:t>
+              <a:t>16 December 2025</a:t>
             </a:fld>
             <a:endParaRPr lang="en-US"/>
           </a:p>
@@ -27741,7 +27834,7 @@
             </a:pPr>
             <a:fld id="{6C663D29-D2DE-4479-9FDF-4B368715B6AE}" type="datetime3">
               <a:rPr lang="en-US" smtClean="0"/>
-              <a:t>25 February 2024</a:t>
+              <a:t>16 December 2025</a:t>
             </a:fld>
             <a:endParaRPr lang="en-US"/>
           </a:p>
@@ -28160,7 +28253,7 @@
             </a:pPr>
             <a:fld id="{B0E3FDB2-5DD5-4821-98FB-ECA873B556B4}" type="datetime3">
               <a:rPr lang="en-US" smtClean="0"/>
-              <a:t>25 February 2024</a:t>
+              <a:t>16 December 2025</a:t>
             </a:fld>
             <a:endParaRPr lang="en-US"/>
           </a:p>
@@ -28734,7 +28827,7 @@
             </a:pPr>
             <a:fld id="{16B337EE-166F-461B-A566-D134E32B6B92}" type="datetime3">
               <a:rPr lang="en-US" smtClean="0"/>
-              <a:t>25 February 2024</a:t>
+              <a:t>16 December 2025</a:t>
             </a:fld>
             <a:endParaRPr lang="en-US"/>
           </a:p>
@@ -28972,7 +29065,7 @@
             </a:pPr>
             <a:fld id="{545D380C-110E-4655-8835-703B86B52DC9}" type="datetime3">
               <a:rPr lang="en-US" smtClean="0"/>
-              <a:t>25 February 2024</a:t>
+              <a:t>16 December 2025</a:t>
             </a:fld>
             <a:endParaRPr lang="en-US"/>
           </a:p>
@@ -29309,7 +29402,7 @@
             </a:pPr>
             <a:fld id="{C76C4506-18BB-4DC3-9963-5B6B5D2C312A}" type="datetime3">
               <a:rPr lang="en-US" smtClean="0"/>
-              <a:t>25 February 2024</a:t>
+              <a:t>16 December 2025</a:t>
             </a:fld>
             <a:endParaRPr lang="en-US"/>
           </a:p>
@@ -29631,7 +29724,7 @@
             </a:pPr>
             <a:fld id="{7AF4293D-23FF-4BF9-B63D-5A2BD8C98BA0}" type="datetime3">
               <a:rPr lang="en-US" smtClean="0"/>
-              <a:t>25 February 2024</a:t>
+              <a:t>16 December 2025</a:t>
             </a:fld>
             <a:endParaRPr lang="en-US"/>
           </a:p>
@@ -29758,7 +29851,7 @@
             </a:pPr>
             <a:fld id="{E84513CC-386E-465A-BA6A-30F6981BE159}" type="datetime3">
               <a:rPr lang="en-US" smtClean="0"/>
-              <a:t>25 February 2024</a:t>
+              <a:t>16 December 2025</a:t>
             </a:fld>
             <a:endParaRPr lang="en-US"/>
           </a:p>
@@ -30312,7 +30405,7 @@
             </a:pPr>
             <a:fld id="{E84513CC-386E-465A-BA6A-30F6981BE159}" type="datetime3">
               <a:rPr lang="en-US" smtClean="0"/>
-              <a:t>25 February 2024</a:t>
+              <a:t>16 December 2025</a:t>
             </a:fld>
             <a:endParaRPr lang="en-US"/>
           </a:p>
@@ -31014,7 +31107,7 @@
             </a:pPr>
             <a:fld id="{A135E72B-EC67-440E-B701-D870B3AE9BEA}" type="datetime3">
               <a:rPr lang="en-US" smtClean="0"/>
-              <a:t>25 February 2024</a:t>
+              <a:t>16 December 2025</a:t>
             </a:fld>
             <a:endParaRPr lang="en-US"/>
           </a:p>
@@ -31547,7 +31640,7 @@
             </a:pPr>
             <a:fld id="{754A58C3-D815-42FE-8A0E-BF28211EFBE3}" type="datetime3">
               <a:rPr lang="en-US" smtClean="0"/>
-              <a:t>25 February 2024</a:t>
+              <a:t>16 December 2025</a:t>
             </a:fld>
             <a:endParaRPr lang="en-US"/>
           </a:p>
@@ -31681,63 +31774,7 @@
                 <a:latin typeface="Times New Roman" pitchFamily="18" charset="0"/>
                 <a:cs typeface="Times New Roman" pitchFamily="18" charset="0"/>
               </a:rPr>
-              <a:t>In your course tutorial exercises, </a:t>
-            </a:r>
-          </a:p>
-          <a:p>
-            <a:pPr>
-              <a:buClrTx/>
-              <a:buFont typeface="Wingdings" pitchFamily="2" charset="2"/>
-              <a:buChar char="q"/>
-            </a:pPr>
-            <a:r>
-              <a:rPr lang="en-GB" sz="3500" dirty="0">
-                <a:latin typeface="Times New Roman" pitchFamily="18" charset="0"/>
-                <a:cs typeface="Times New Roman" pitchFamily="18" charset="0"/>
-              </a:rPr>
-              <a:t>Question no. 01</a:t>
-            </a:r>
-          </a:p>
-          <a:p>
-            <a:pPr>
-              <a:buClrTx/>
-              <a:buFont typeface="Wingdings" pitchFamily="2" charset="2"/>
-              <a:buChar char="q"/>
-            </a:pPr>
-            <a:r>
-              <a:rPr lang="en-GB" sz="3500" dirty="0">
-                <a:latin typeface="Times New Roman" pitchFamily="18" charset="0"/>
-                <a:cs typeface="Times New Roman" pitchFamily="18" charset="0"/>
-              </a:rPr>
-              <a:t>Question no. 03</a:t>
-            </a:r>
-          </a:p>
-          <a:p>
-            <a:pPr>
-              <a:buClrTx/>
-              <a:buFont typeface="Wingdings" pitchFamily="2" charset="2"/>
-              <a:buChar char="q"/>
-            </a:pPr>
-            <a:r>
-              <a:rPr lang="en-GB" sz="3500" dirty="0">
-                <a:latin typeface="Times New Roman" pitchFamily="18" charset="0"/>
-                <a:cs typeface="Times New Roman" pitchFamily="18" charset="0"/>
-              </a:rPr>
-              <a:t>Question no. 12</a:t>
-            </a:r>
-          </a:p>
-          <a:p>
-            <a:pPr>
-              <a:buClrTx/>
-              <a:buFont typeface="Wingdings" pitchFamily="2" charset="2"/>
-              <a:buChar char="q"/>
-            </a:pPr>
-            <a:r>
-              <a:rPr lang="en-GB" sz="3500" dirty="0">
-                <a:latin typeface="Times New Roman" pitchFamily="18" charset="0"/>
-                <a:cs typeface="Times New Roman" pitchFamily="18" charset="0"/>
-              </a:rPr>
-              <a:t>Question no. 13</a:t>
+              <a:t>Will be updated soon!</a:t>
             </a:r>
           </a:p>
         </p:txBody>
@@ -31797,7 +31834,7 @@
             </a:pPr>
             <a:fld id="{F6931E58-3720-4433-BCC0-93EF419A61F9}" type="datetime3">
               <a:rPr lang="en-US" smtClean="0"/>
-              <a:t>25 February 2024</a:t>
+              <a:t>16 December 2025</a:t>
             </a:fld>
             <a:endParaRPr lang="en-US"/>
           </a:p>
@@ -32017,7 +32054,7 @@
                 </a:solidFill>
               </a:rPr>
               <a:pPr/>
-              <a:t>Sunday, February 25, 2024</a:t>
+              <a:t>Tuesday, December 16, 2025</a:t>
             </a:fld>
             <a:endParaRPr lang="en-US" altLang="en-US" sz="1400">
               <a:solidFill>
@@ -34707,7 +34744,7 @@
             </a:pPr>
             <a:fld id="{C93ED6A8-3DFA-4452-A8D0-7232426E2736}" type="datetime3">
               <a:rPr lang="en-US" smtClean="0"/>
-              <a:t>25 February 2024</a:t>
+              <a:t>16 December 2025</a:t>
             </a:fld>
             <a:endParaRPr lang="en-US"/>
           </a:p>
@@ -35638,7 +35675,7 @@
             </a:pPr>
             <a:fld id="{5DC17382-FDB2-4AB7-9274-D58CD3D00F77}" type="datetime3">
               <a:rPr lang="en-US" smtClean="0"/>
-              <a:t>25 February 2024</a:t>
+              <a:t>16 December 2025</a:t>
             </a:fld>
             <a:endParaRPr lang="en-US"/>
           </a:p>

--- a/Lect_2.pptx
+++ b/Lect_2.pptx
@@ -5,10 +5,10 @@
     <p:sldMasterId id="2147483655" r:id="rId1"/>
   </p:sldMasterIdLst>
   <p:notesMasterIdLst>
-    <p:notesMasterId r:id="rId64"/>
+    <p:notesMasterId r:id="rId63"/>
   </p:notesMasterIdLst>
   <p:handoutMasterIdLst>
-    <p:handoutMasterId r:id="rId65"/>
+    <p:handoutMasterId r:id="rId64"/>
   </p:handoutMasterIdLst>
   <p:sldIdLst>
     <p:sldId id="258" r:id="rId2"/>
@@ -70,9 +70,8 @@
     <p:sldId id="377" r:id="rId58"/>
     <p:sldId id="378" r:id="rId59"/>
     <p:sldId id="368" r:id="rId60"/>
-    <p:sldId id="369" r:id="rId61"/>
-    <p:sldId id="379" r:id="rId62"/>
-    <p:sldId id="256" r:id="rId63"/>
+    <p:sldId id="379" r:id="rId61"/>
+    <p:sldId id="256" r:id="rId62"/>
   </p:sldIdLst>
   <p:sldSz cx="9144000" cy="6858000" type="screen4x3"/>
   <p:notesSz cx="6858000" cy="9144000"/>
@@ -237,7 +236,7 @@
 <file path=ppt/revisionInfo.xml><?xml version="1.0" encoding="utf-8"?>
 <p1510:revInfo xmlns:a="http://schemas.openxmlformats.org/drawingml/2006/main" xmlns:r="http://schemas.openxmlformats.org/officeDocument/2006/relationships" xmlns:p1510="http://schemas.microsoft.com/office/powerpoint/2015/10/main">
   <p1510:revLst>
-    <p1510:client id="{2ADB017E-DD66-4264-86CC-3C76838ABE99}" v="11" dt="2025-12-16T01:13:15.017"/>
+    <p1510:client id="{2ADB017E-DD66-4264-86CC-3C76838ABE99}" v="13" dt="2025-12-30T00:44:11.799"/>
   </p1510:revLst>
 </p1510:revInfo>
 </file>
@@ -247,7 +246,7 @@
   <pc:docChgLst>
     <pc:chgData name="Thevarajah Mayooran" userId="028ced5d-c088-4edf-a4ff-720435ef9709" providerId="ADAL" clId="{DC8E7E0F-80C3-4AF6-B417-59EB41DBE316}"/>
     <pc:docChg chg="custSel addSld delSld modSld">
-      <pc:chgData name="Thevarajah Mayooran" userId="028ced5d-c088-4edf-a4ff-720435ef9709" providerId="ADAL" clId="{DC8E7E0F-80C3-4AF6-B417-59EB41DBE316}" dt="2025-12-16T01:13:39.057" v="149" actId="20577"/>
+      <pc:chgData name="Thevarajah Mayooran" userId="028ced5d-c088-4edf-a4ff-720435ef9709" providerId="ADAL" clId="{DC8E7E0F-80C3-4AF6-B417-59EB41DBE316}" dt="2025-12-30T00:44:20.047" v="154" actId="47"/>
       <pc:docMkLst>
         <pc:docMk/>
       </pc:docMkLst>
@@ -257,14 +256,6 @@
           <pc:docMk/>
           <pc:sldMk cId="1031238138" sldId="331"/>
         </pc:sldMkLst>
-        <pc:spChg chg="del mod">
-          <ac:chgData name="Thevarajah Mayooran" userId="028ced5d-c088-4edf-a4ff-720435ef9709" providerId="ADAL" clId="{DC8E7E0F-80C3-4AF6-B417-59EB41DBE316}" dt="2025-12-16T01:02:05.897" v="1" actId="478"/>
-          <ac:spMkLst>
-            <pc:docMk/>
-            <pc:sldMk cId="1031238138" sldId="331"/>
-            <ac:spMk id="6" creationId="{00000000-0000-0000-0000-000000000000}"/>
-          </ac:spMkLst>
-        </pc:spChg>
         <pc:spChg chg="add mod">
           <ac:chgData name="Thevarajah Mayooran" userId="028ced5d-c088-4edf-a4ff-720435ef9709" providerId="ADAL" clId="{DC8E7E0F-80C3-4AF6-B417-59EB41DBE316}" dt="2025-12-16T01:06:21.315" v="123" actId="20577"/>
           <ac:spMkLst>
@@ -274,22 +265,8 @@
           </ac:spMkLst>
         </pc:spChg>
       </pc:sldChg>
-      <pc:sldChg chg="del">
-        <pc:chgData name="Thevarajah Mayooran" userId="028ced5d-c088-4edf-a4ff-720435ef9709" providerId="ADAL" clId="{DC8E7E0F-80C3-4AF6-B417-59EB41DBE316}" dt="2025-12-16T01:13:01.332" v="125" actId="47"/>
-        <pc:sldMkLst>
-          <pc:docMk/>
-          <pc:sldMk cId="4173003297" sldId="340"/>
-        </pc:sldMkLst>
-      </pc:sldChg>
-      <pc:sldChg chg="del">
-        <pc:chgData name="Thevarajah Mayooran" userId="028ced5d-c088-4edf-a4ff-720435ef9709" providerId="ADAL" clId="{DC8E7E0F-80C3-4AF6-B417-59EB41DBE316}" dt="2025-12-16T01:13:17.963" v="127" actId="47"/>
-        <pc:sldMkLst>
-          <pc:docMk/>
-          <pc:sldMk cId="3418450939" sldId="350"/>
-        </pc:sldMkLst>
-      </pc:sldChg>
-      <pc:sldChg chg="modSp mod">
-        <pc:chgData name="Thevarajah Mayooran" userId="028ced5d-c088-4edf-a4ff-720435ef9709" providerId="ADAL" clId="{DC8E7E0F-80C3-4AF6-B417-59EB41DBE316}" dt="2025-12-16T01:13:39.057" v="149" actId="20577"/>
+      <pc:sldChg chg="modSp del mod">
+        <pc:chgData name="Thevarajah Mayooran" userId="028ced5d-c088-4edf-a4ff-720435ef9709" providerId="ADAL" clId="{DC8E7E0F-80C3-4AF6-B417-59EB41DBE316}" dt="2025-12-30T00:44:20.047" v="154" actId="47"/>
         <pc:sldMkLst>
           <pc:docMk/>
           <pc:sldMk cId="1997271014" sldId="369"/>
@@ -303,6 +280,13 @@
           </ac:spMkLst>
         </pc:spChg>
       </pc:sldChg>
+      <pc:sldChg chg="add del modTransition">
+        <pc:chgData name="Thevarajah Mayooran" userId="028ced5d-c088-4edf-a4ff-720435ef9709" providerId="ADAL" clId="{DC8E7E0F-80C3-4AF6-B417-59EB41DBE316}" dt="2025-12-30T00:44:11.794" v="152"/>
+        <pc:sldMkLst>
+          <pc:docMk/>
+          <pc:sldMk cId="0" sldId="379"/>
+        </pc:sldMkLst>
+      </pc:sldChg>
       <pc:sldChg chg="add">
         <pc:chgData name="Thevarajah Mayooran" userId="028ced5d-c088-4edf-a4ff-720435ef9709" providerId="ADAL" clId="{DC8E7E0F-80C3-4AF6-B417-59EB41DBE316}" dt="2025-12-16T01:12:57.529" v="124"/>
         <pc:sldMkLst>
@@ -315,6 +299,13 @@
         <pc:sldMkLst>
           <pc:docMk/>
           <pc:sldMk cId="1129781313" sldId="381"/>
+        </pc:sldMkLst>
+      </pc:sldChg>
+      <pc:sldChg chg="add del">
+        <pc:chgData name="Thevarajah Mayooran" userId="028ced5d-c088-4edf-a4ff-720435ef9709" providerId="ADAL" clId="{DC8E7E0F-80C3-4AF6-B417-59EB41DBE316}" dt="2025-12-30T00:44:15.389" v="153" actId="47"/>
+        <pc:sldMkLst>
+          <pc:docMk/>
+          <pc:sldMk cId="0" sldId="382"/>
         </pc:sldMkLst>
       </pc:sldChg>
     </pc:docChg>
@@ -417,7 +408,7 @@
               <a:pPr>
                 <a:defRPr/>
               </a:pPr>
-              <a:t>12/16/2025</a:t>
+              <a:t>12/30/2025</a:t>
             </a:fld>
             <a:endParaRPr lang="en-US"/>
           </a:p>
@@ -608,7 +599,7 @@
               <a:pPr>
                 <a:defRPr/>
               </a:pPr>
-              <a:t>12/16/2025</a:t>
+              <a:t>12/30/2025</a:t>
             </a:fld>
             <a:endParaRPr lang="en-US"/>
           </a:p>
@@ -2728,7 +2719,7 @@
             </a:pPr>
             <a:fld id="{09F8CC9C-84F8-40DE-8072-8418EEAB0285}" type="datetime3">
               <a:rPr lang="en-US" smtClean="0"/>
-              <a:t>16 December 2025</a:t>
+              <a:t>30 December 2025</a:t>
             </a:fld>
             <a:endParaRPr lang="en-US"/>
           </a:p>
@@ -2938,7 +2929,7 @@
             </a:pPr>
             <a:fld id="{716D55AE-634D-4C1B-8690-AC1D7DE7B5BE}" type="datetime3">
               <a:rPr lang="en-US" smtClean="0"/>
-              <a:t>16 December 2025</a:t>
+              <a:t>30 December 2025</a:t>
             </a:fld>
             <a:endParaRPr lang="en-US"/>
           </a:p>
@@ -3152,7 +3143,7 @@
             </a:pPr>
             <a:fld id="{FC5FEC6E-2813-41AC-AFD2-1BB4F76C4C42}" type="datetime3">
               <a:rPr lang="en-US" smtClean="0"/>
-              <a:t>16 December 2025</a:t>
+              <a:t>30 December 2025</a:t>
             </a:fld>
             <a:endParaRPr lang="en-US"/>
           </a:p>
@@ -3422,7 +3413,7 @@
             </a:pPr>
             <a:fld id="{47601248-B7BA-4226-AE39-676FAFBA4435}" type="datetime3">
               <a:rPr lang="en-US" smtClean="0"/>
-              <a:t>16 December 2025</a:t>
+              <a:t>30 December 2025</a:t>
             </a:fld>
             <a:endParaRPr lang="en-US"/>
           </a:p>
@@ -3748,7 +3739,7 @@
             </a:pPr>
             <a:fld id="{75917CBA-66F1-4240-B43C-9C76CBF5B267}" type="datetime3">
               <a:rPr lang="en-US" smtClean="0"/>
-              <a:t>16 December 2025</a:t>
+              <a:t>30 December 2025</a:t>
             </a:fld>
             <a:endParaRPr lang="en-US"/>
           </a:p>
@@ -3935,7 +3926,7 @@
             </a:pPr>
             <a:fld id="{4A83CA73-0BFC-4EA3-BF88-0A7EFA16E2AD}" type="datetime3">
               <a:rPr lang="en-US" smtClean="0"/>
-              <a:t>16 December 2025</a:t>
+              <a:t>30 December 2025</a:t>
             </a:fld>
             <a:endParaRPr lang="en-US"/>
           </a:p>
@@ -4139,7 +4130,7 @@
             </a:pPr>
             <a:fld id="{E84513CC-386E-465A-BA6A-30F6981BE159}" type="datetime3">
               <a:rPr lang="en-US" smtClean="0"/>
-              <a:t>16 December 2025</a:t>
+              <a:t>30 December 2025</a:t>
             </a:fld>
             <a:endParaRPr lang="en-US"/>
           </a:p>
@@ -4366,7 +4357,7 @@
             </a:pPr>
             <a:fld id="{69C60E08-14DF-4CC3-9FDE-CF7B231AFBD8}" type="datetime3">
               <a:rPr lang="en-US" smtClean="0"/>
-              <a:t>16 December 2025</a:t>
+              <a:t>30 December 2025</a:t>
             </a:fld>
             <a:endParaRPr lang="en-US"/>
           </a:p>
@@ -4687,7 +4678,7 @@
             </a:pPr>
             <a:fld id="{9AE376AB-52E6-4ECC-81F8-F519C015FFCD}" type="datetime3">
               <a:rPr lang="en-US" smtClean="0"/>
-              <a:t>16 December 2025</a:t>
+              <a:t>30 December 2025</a:t>
             </a:fld>
             <a:endParaRPr lang="en-US"/>
           </a:p>
@@ -5147,7 +5138,7 @@
             </a:pPr>
             <a:fld id="{8CD96E5A-2F28-43E6-9810-21E990481036}" type="datetime3">
               <a:rPr lang="en-US" smtClean="0"/>
-              <a:t>16 December 2025</a:t>
+              <a:t>30 December 2025</a:t>
             </a:fld>
             <a:endParaRPr lang="en-US"/>
           </a:p>
@@ -5300,7 +5291,7 @@
             </a:pPr>
             <a:fld id="{C94AA14A-B3C0-4F6A-9ECD-D50E54560BF4}" type="datetime3">
               <a:rPr lang="en-US" smtClean="0"/>
-              <a:t>16 December 2025</a:t>
+              <a:t>30 December 2025</a:t>
             </a:fld>
             <a:endParaRPr lang="en-US"/>
           </a:p>
@@ -5431,7 +5422,7 @@
             </a:pPr>
             <a:fld id="{2DF9D6B0-2C09-47F5-8733-DDB6D3B95B5B}" type="datetime3">
               <a:rPr lang="en-US" smtClean="0"/>
-              <a:t>16 December 2025</a:t>
+              <a:t>30 December 2025</a:t>
             </a:fld>
             <a:endParaRPr lang="en-US"/>
           </a:p>
@@ -5742,7 +5733,7 @@
             </a:pPr>
             <a:fld id="{FE51208B-D869-4FEE-B747-98C7BABACDFD}" type="datetime3">
               <a:rPr lang="en-US" smtClean="0"/>
-              <a:t>16 December 2025</a:t>
+              <a:t>30 December 2025</a:t>
             </a:fld>
             <a:endParaRPr lang="en-US"/>
           </a:p>
@@ -6031,7 +6022,7 @@
             </a:pPr>
             <a:fld id="{A3DBA343-2E60-4640-801C-3DC38DEBAD4C}" type="datetime3">
               <a:rPr lang="en-US" smtClean="0"/>
-              <a:t>16 December 2025</a:t>
+              <a:t>30 December 2025</a:t>
             </a:fld>
             <a:endParaRPr lang="en-US"/>
           </a:p>
@@ -6422,7 +6413,7 @@
             </a:pPr>
             <a:fld id="{CABEC362-8481-4E91-9909-6D6E193E08BE}" type="datetime3">
               <a:rPr lang="en-US" smtClean="0"/>
-              <a:t>16 December 2025</a:t>
+              <a:t>30 December 2025</a:t>
             </a:fld>
             <a:endParaRPr lang="en-US"/>
           </a:p>
@@ -8064,7 +8055,7 @@
             </a:pPr>
             <a:fld id="{95048985-04BF-4E44-AD19-D0D3F0603289}" type="datetime3">
               <a:rPr lang="en-US" smtClean="0"/>
-              <a:t>16 December 2025</a:t>
+              <a:t>30 December 2025</a:t>
             </a:fld>
             <a:endParaRPr lang="en-US"/>
           </a:p>
@@ -8160,7 +8151,7 @@
             </a:pPr>
             <a:fld id="{E84513CC-386E-465A-BA6A-30F6981BE159}" type="datetime3">
               <a:rPr lang="en-US" smtClean="0"/>
-              <a:t>16 December 2025</a:t>
+              <a:t>30 December 2025</a:t>
             </a:fld>
             <a:endParaRPr lang="en-US"/>
           </a:p>
@@ -8520,7 +8511,7 @@
             </a:pPr>
             <a:fld id="{AD34042D-3D9D-4FC6-9B98-A2348A3B1F55}" type="datetime3">
               <a:rPr lang="en-US" smtClean="0"/>
-              <a:t>16 December 2025</a:t>
+              <a:t>30 December 2025</a:t>
             </a:fld>
             <a:endParaRPr lang="en-US"/>
           </a:p>
@@ -9078,7 +9069,7 @@
             </a:pPr>
             <a:fld id="{F88D8068-8654-4924-9BD1-7CDF87CD92A5}" type="datetime3">
               <a:rPr lang="en-US" smtClean="0"/>
-              <a:t>16 December 2025</a:t>
+              <a:t>30 December 2025</a:t>
             </a:fld>
             <a:endParaRPr lang="en-US"/>
           </a:p>
@@ -9502,7 +9493,7 @@
             </a:pPr>
             <a:fld id="{F2DD698F-3BD9-418E-A792-7D377A113FB1}" type="datetime3">
               <a:rPr lang="en-US" smtClean="0"/>
-              <a:t>16 December 2025</a:t>
+              <a:t>30 December 2025</a:t>
             </a:fld>
             <a:endParaRPr lang="en-US"/>
           </a:p>
@@ -9598,7 +9589,7 @@
             </a:pPr>
             <a:fld id="{E84513CC-386E-465A-BA6A-30F6981BE159}" type="datetime3">
               <a:rPr lang="en-US" smtClean="0"/>
-              <a:t>16 December 2025</a:t>
+              <a:t>30 December 2025</a:t>
             </a:fld>
             <a:endParaRPr lang="en-US"/>
           </a:p>
@@ -10302,7 +10293,7 @@
             </a:pPr>
             <a:fld id="{39FACAE6-9AE1-4F0B-B5CC-4BF41824B418}" type="datetime3">
               <a:rPr lang="en-US" smtClean="0"/>
-              <a:t>16 December 2025</a:t>
+              <a:t>30 December 2025</a:t>
             </a:fld>
             <a:endParaRPr lang="en-US"/>
           </a:p>
@@ -11743,7 +11734,7 @@
             </a:pPr>
             <a:fld id="{ADB65D6C-4348-4AC0-9BFF-00B252066DF6}" type="datetime3">
               <a:rPr lang="en-US" smtClean="0"/>
-              <a:t>16 December 2025</a:t>
+              <a:t>30 December 2025</a:t>
             </a:fld>
             <a:endParaRPr lang="en-US"/>
           </a:p>
@@ -11967,7 +11958,7 @@
             </a:pPr>
             <a:fld id="{EE124259-3191-46DA-AA9A-852595855449}" type="datetime3">
               <a:rPr lang="en-US" smtClean="0"/>
-              <a:t>16 December 2025</a:t>
+              <a:t>30 December 2025</a:t>
             </a:fld>
             <a:endParaRPr lang="en-US"/>
           </a:p>
@@ -12946,7 +12937,7 @@
             </a:pPr>
             <a:fld id="{B6F2AD38-D8BE-4BB7-BB5D-2984C81D5B9C}" type="datetime3">
               <a:rPr lang="en-US" smtClean="0"/>
-              <a:t>16 December 2025</a:t>
+              <a:t>30 December 2025</a:t>
             </a:fld>
             <a:endParaRPr lang="en-US"/>
           </a:p>
@@ -13192,7 +13183,7 @@
             </a:pPr>
             <a:fld id="{0EB6E69A-E8EE-4A35-B1E2-0DA7D146084C}" type="datetime3">
               <a:rPr lang="en-US" smtClean="0"/>
-              <a:t>16 December 2025</a:t>
+              <a:t>30 December 2025</a:t>
             </a:fld>
             <a:endParaRPr lang="en-US"/>
           </a:p>
@@ -13353,7 +13344,7 @@
             </a:pPr>
             <a:fld id="{E9EF4D00-61EE-4569-A1E2-EA8BC7728858}" type="datetime3">
               <a:rPr lang="en-US" smtClean="0"/>
-              <a:t>16 December 2025</a:t>
+              <a:t>30 December 2025</a:t>
             </a:fld>
             <a:endParaRPr lang="en-US"/>
           </a:p>
@@ -13521,7 +13512,7 @@
             </a:pPr>
             <a:fld id="{E84513CC-386E-465A-BA6A-30F6981BE159}" type="datetime3">
               <a:rPr lang="en-US" smtClean="0"/>
-              <a:t>16 December 2025</a:t>
+              <a:t>30 December 2025</a:t>
             </a:fld>
             <a:endParaRPr lang="en-US"/>
           </a:p>
@@ -14249,7 +14240,7 @@
             </a:pPr>
             <a:fld id="{88CA511A-0CB3-4831-BDF9-10D3D1622EF6}" type="datetime3">
               <a:rPr lang="en-US" smtClean="0"/>
-              <a:t>16 December 2025</a:t>
+              <a:t>30 December 2025</a:t>
             </a:fld>
             <a:endParaRPr lang="en-US"/>
           </a:p>
@@ -15085,7 +15076,7 @@
             </a:pPr>
             <a:fld id="{3E1AA7E2-38AE-438C-8949-ABBD868B8326}" type="datetime3">
               <a:rPr lang="en-US" smtClean="0"/>
-              <a:t>16 December 2025</a:t>
+              <a:t>30 December 2025</a:t>
             </a:fld>
             <a:endParaRPr lang="en-US"/>
           </a:p>
@@ -15625,7 +15616,7 @@
             </a:pPr>
             <a:fld id="{6A1592CA-4315-4238-AD66-2149C2A8E6FC}" type="datetime3">
               <a:rPr lang="en-US" smtClean="0"/>
-              <a:t>16 December 2025</a:t>
+              <a:t>30 December 2025</a:t>
             </a:fld>
             <a:endParaRPr lang="en-US"/>
           </a:p>
@@ -15953,7 +15944,7 @@
             </a:pPr>
             <a:fld id="{1CF7A16D-5561-4894-B820-D1114137ADA5}" type="datetime3">
               <a:rPr lang="en-US" smtClean="0"/>
-              <a:t>16 December 2025</a:t>
+              <a:t>30 December 2025</a:t>
             </a:fld>
             <a:endParaRPr lang="en-US"/>
           </a:p>
@@ -16261,7 +16252,7 @@
             </a:pPr>
             <a:fld id="{E3388B9F-6703-4857-BB71-2C0F330A4C22}" type="datetime3">
               <a:rPr lang="en-US" smtClean="0"/>
-              <a:t>16 December 2025</a:t>
+              <a:t>30 December 2025</a:t>
             </a:fld>
             <a:endParaRPr lang="en-US"/>
           </a:p>
@@ -16821,7 +16812,7 @@
             </a:pPr>
             <a:fld id="{1B167F89-51DE-4E5A-9643-6D09BE10EC3C}" type="datetime3">
               <a:rPr lang="en-US" smtClean="0"/>
-              <a:t>16 December 2025</a:t>
+              <a:t>30 December 2025</a:t>
             </a:fld>
             <a:endParaRPr lang="en-US"/>
           </a:p>
@@ -17024,7 +17015,7 @@
             </a:pPr>
             <a:fld id="{1E7A21E6-A7EE-4EAE-B102-2A5E242977C6}" type="datetime3">
               <a:rPr lang="en-US" smtClean="0"/>
-              <a:t>16 December 2025</a:t>
+              <a:t>30 December 2025</a:t>
             </a:fld>
             <a:endParaRPr lang="en-US"/>
           </a:p>
@@ -17203,7 +17194,7 @@
             </a:pPr>
             <a:fld id="{E9EF4D00-61EE-4569-A1E2-EA8BC7728858}" type="datetime3">
               <a:rPr lang="en-US" smtClean="0"/>
-              <a:t>16 December 2025</a:t>
+              <a:t>30 December 2025</a:t>
             </a:fld>
             <a:endParaRPr lang="en-US"/>
           </a:p>
@@ -17441,7 +17432,7 @@
             </a:pPr>
             <a:fld id="{E5976918-E21D-4366-A99A-8F0C4B673D1F}" type="datetime3">
               <a:rPr lang="en-US" smtClean="0"/>
-              <a:t>16 December 2025</a:t>
+              <a:t>30 December 2025</a:t>
             </a:fld>
             <a:endParaRPr lang="en-US"/>
           </a:p>
@@ -17783,7 +17774,7 @@
             </a:pPr>
             <a:fld id="{EEB8F818-3AE2-49EE-A2AD-A9C1FD59581A}" type="datetime3">
               <a:rPr lang="en-US" smtClean="0"/>
-              <a:t>16 December 2025</a:t>
+              <a:t>30 December 2025</a:t>
             </a:fld>
             <a:endParaRPr lang="en-US"/>
           </a:p>
@@ -18254,7 +18245,7 @@
             </a:pPr>
             <a:fld id="{98CA9101-7B80-438D-B9F9-D90458832093}" type="datetime3">
               <a:rPr lang="en-US" smtClean="0"/>
-              <a:t>16 December 2025</a:t>
+              <a:t>30 December 2025</a:t>
             </a:fld>
             <a:endParaRPr lang="en-US"/>
           </a:p>
@@ -18532,7 +18523,7 @@
             </a:pPr>
             <a:fld id="{A353ED53-EFF6-4FE4-85A5-FAC6FA6431BF}" type="datetime3">
               <a:rPr lang="en-US" smtClean="0"/>
-              <a:t>16 December 2025</a:t>
+              <a:t>30 December 2025</a:t>
             </a:fld>
             <a:endParaRPr lang="en-US"/>
           </a:p>
@@ -18789,7 +18780,7 @@
             </a:pPr>
             <a:fld id="{5AB3E753-C921-4F16-BBD6-D8C2B0D6C0FA}" type="datetime3">
               <a:rPr lang="en-US" smtClean="0"/>
-              <a:t>16 December 2025</a:t>
+              <a:t>30 December 2025</a:t>
             </a:fld>
             <a:endParaRPr lang="en-US"/>
           </a:p>
@@ -20159,7 +20150,7 @@
             </a:pPr>
             <a:fld id="{B8962B9F-E6B6-432A-AA4C-8551F038804E}" type="datetime3">
               <a:rPr lang="en-US" smtClean="0"/>
-              <a:t>16 December 2025</a:t>
+              <a:t>30 December 2025</a:t>
             </a:fld>
             <a:endParaRPr lang="en-US"/>
           </a:p>
@@ -20491,7 +20482,7 @@
             </a:pPr>
             <a:fld id="{E6BFBD91-ED7F-45FC-B809-AC0E7C9C9CF3}" type="datetime3">
               <a:rPr lang="en-US" smtClean="0"/>
-              <a:t>16 December 2025</a:t>
+              <a:t>30 December 2025</a:t>
             </a:fld>
             <a:endParaRPr lang="en-US"/>
           </a:p>
@@ -20748,7 +20739,7 @@
             </a:pPr>
             <a:fld id="{70A7DE80-08CF-4BC0-B5E4-33AAC1BEC369}" type="datetime3">
               <a:rPr lang="en-US" smtClean="0"/>
-              <a:t>16 December 2025</a:t>
+              <a:t>30 December 2025</a:t>
             </a:fld>
             <a:endParaRPr lang="en-US"/>
           </a:p>
@@ -21134,7 +21125,7 @@
             </a:pPr>
             <a:fld id="{C755EF04-B0E8-45CA-91C9-E01B1BAF11A0}" type="datetime3">
               <a:rPr lang="en-US" smtClean="0"/>
-              <a:t>16 December 2025</a:t>
+              <a:t>30 December 2025</a:t>
             </a:fld>
             <a:endParaRPr lang="en-US"/>
           </a:p>
@@ -21514,7 +21505,7 @@
             </a:pPr>
             <a:fld id="{4967952A-FAC5-4532-A65B-61C08D7A309F}" type="datetime3">
               <a:rPr lang="en-US" smtClean="0"/>
-              <a:t>16 December 2025</a:t>
+              <a:t>30 December 2025</a:t>
             </a:fld>
             <a:endParaRPr lang="en-US"/>
           </a:p>
@@ -21836,7 +21827,7 @@
             </a:pPr>
             <a:fld id="{B8111191-3A4D-4B9C-A42F-94960EF056CE}" type="datetime3">
               <a:rPr lang="en-US" smtClean="0"/>
-              <a:t>16 December 2025</a:t>
+              <a:t>30 December 2025</a:t>
             </a:fld>
             <a:endParaRPr lang="en-US"/>
           </a:p>
@@ -22353,7 +22344,7 @@
             </a:pPr>
             <a:fld id="{5D897CCF-6D2F-4795-9715-E8C554639C8B}" type="datetime3">
               <a:rPr lang="en-US" smtClean="0"/>
-              <a:t>16 December 2025</a:t>
+              <a:t>30 December 2025</a:t>
             </a:fld>
             <a:endParaRPr lang="en-US"/>
           </a:p>
@@ -22532,7 +22523,7 @@
             </a:pPr>
             <a:fld id="{E9EF4D00-61EE-4569-A1E2-EA8BC7728858}" type="datetime3">
               <a:rPr lang="en-US" smtClean="0"/>
-              <a:t>16 December 2025</a:t>
+              <a:t>30 December 2025</a:t>
             </a:fld>
             <a:endParaRPr lang="en-US"/>
           </a:p>
@@ -22783,7 +22774,7 @@
             </a:pPr>
             <a:fld id="{7C5C2DBB-6B56-42CD-916A-3425A3F1F19D}" type="datetime3">
               <a:rPr lang="en-US" smtClean="0"/>
-              <a:t>16 December 2025</a:t>
+              <a:t>30 December 2025</a:t>
             </a:fld>
             <a:endParaRPr lang="en-US"/>
           </a:p>
@@ -23635,7 +23626,7 @@
             </a:pPr>
             <a:fld id="{BF23377F-D136-4709-9F5F-D22F5476FF57}" type="datetime3">
               <a:rPr lang="en-US" smtClean="0"/>
-              <a:t>16 December 2025</a:t>
+              <a:t>30 December 2025</a:t>
             </a:fld>
             <a:endParaRPr lang="en-US"/>
           </a:p>
@@ -24022,7 +24013,7 @@
             </a:pPr>
             <a:fld id="{1DB100C2-340C-49A5-BBEB-11104182BC52}" type="datetime3">
               <a:rPr lang="en-US" smtClean="0"/>
-              <a:t>16 December 2025</a:t>
+              <a:t>30 December 2025</a:t>
             </a:fld>
             <a:endParaRPr lang="en-US"/>
           </a:p>
@@ -26292,7 +26283,7 @@
             </a:pPr>
             <a:fld id="{681C6843-FF4B-4CC3-9D83-019110DBFF94}" type="datetime3">
               <a:rPr lang="en-US" smtClean="0"/>
-              <a:t>16 December 2025</a:t>
+              <a:t>30 December 2025</a:t>
             </a:fld>
             <a:endParaRPr lang="en-US"/>
           </a:p>
@@ -26458,7 +26449,7 @@
             </a:pPr>
             <a:fld id="{5859AEBA-F6AB-49EE-8780-913E8CDDEBD0}" type="datetime3">
               <a:rPr lang="en-US" smtClean="0"/>
-              <a:t>16 December 2025</a:t>
+              <a:t>30 December 2025</a:t>
             </a:fld>
             <a:endParaRPr lang="en-US"/>
           </a:p>
@@ -27834,7 +27825,7 @@
             </a:pPr>
             <a:fld id="{6C663D29-D2DE-4479-9FDF-4B368715B6AE}" type="datetime3">
               <a:rPr lang="en-US" smtClean="0"/>
-              <a:t>16 December 2025</a:t>
+              <a:t>30 December 2025</a:t>
             </a:fld>
             <a:endParaRPr lang="en-US"/>
           </a:p>
@@ -28253,7 +28244,7 @@
             </a:pPr>
             <a:fld id="{B0E3FDB2-5DD5-4821-98FB-ECA873B556B4}" type="datetime3">
               <a:rPr lang="en-US" smtClean="0"/>
-              <a:t>16 December 2025</a:t>
+              <a:t>30 December 2025</a:t>
             </a:fld>
             <a:endParaRPr lang="en-US"/>
           </a:p>
@@ -28827,7 +28818,7 @@
             </a:pPr>
             <a:fld id="{16B337EE-166F-461B-A566-D134E32B6B92}" type="datetime3">
               <a:rPr lang="en-US" smtClean="0"/>
-              <a:t>16 December 2025</a:t>
+              <a:t>30 December 2025</a:t>
             </a:fld>
             <a:endParaRPr lang="en-US"/>
           </a:p>
@@ -29065,7 +29056,7 @@
             </a:pPr>
             <a:fld id="{545D380C-110E-4655-8835-703B86B52DC9}" type="datetime3">
               <a:rPr lang="en-US" smtClean="0"/>
-              <a:t>16 December 2025</a:t>
+              <a:t>30 December 2025</a:t>
             </a:fld>
             <a:endParaRPr lang="en-US"/>
           </a:p>
@@ -29402,7 +29393,7 @@
             </a:pPr>
             <a:fld id="{C76C4506-18BB-4DC3-9963-5B6B5D2C312A}" type="datetime3">
               <a:rPr lang="en-US" smtClean="0"/>
-              <a:t>16 December 2025</a:t>
+              <a:t>30 December 2025</a:t>
             </a:fld>
             <a:endParaRPr lang="en-US"/>
           </a:p>
@@ -29724,7 +29715,7 @@
             </a:pPr>
             <a:fld id="{7AF4293D-23FF-4BF9-B63D-5A2BD8C98BA0}" type="datetime3">
               <a:rPr lang="en-US" smtClean="0"/>
-              <a:t>16 December 2025</a:t>
+              <a:t>30 December 2025</a:t>
             </a:fld>
             <a:endParaRPr lang="en-US"/>
           </a:p>
@@ -29851,7 +29842,7 @@
             </a:pPr>
             <a:fld id="{E84513CC-386E-465A-BA6A-30F6981BE159}" type="datetime3">
               <a:rPr lang="en-US" smtClean="0"/>
-              <a:t>16 December 2025</a:t>
+              <a:t>30 December 2025</a:t>
             </a:fld>
             <a:endParaRPr lang="en-US"/>
           </a:p>
@@ -30405,7 +30396,7 @@
             </a:pPr>
             <a:fld id="{E84513CC-386E-465A-BA6A-30F6981BE159}" type="datetime3">
               <a:rPr lang="en-US" smtClean="0"/>
-              <a:t>16 December 2025</a:t>
+              <a:t>30 December 2025</a:t>
             </a:fld>
             <a:endParaRPr lang="en-US"/>
           </a:p>
@@ -31107,7 +31098,7 @@
             </a:pPr>
             <a:fld id="{A135E72B-EC67-440E-B701-D870B3AE9BEA}" type="datetime3">
               <a:rPr lang="en-US" smtClean="0"/>
-              <a:t>16 December 2025</a:t>
+              <a:t>30 December 2025</a:t>
             </a:fld>
             <a:endParaRPr lang="en-US"/>
           </a:p>
@@ -31640,7 +31631,7 @@
             </a:pPr>
             <a:fld id="{754A58C3-D815-42FE-8A0E-BF28211EFBE3}" type="datetime3">
               <a:rPr lang="en-US" smtClean="0"/>
-              <a:t>16 December 2025</a:t>
+              <a:t>30 December 2025</a:t>
             </a:fld>
             <a:endParaRPr lang="en-US"/>
           </a:p>
@@ -31694,200 +31685,6 @@
 </file>
 
 <file path=ppt/slides/slide60.xml><?xml version="1.0" encoding="utf-8"?>
-<p:sld xmlns:a="http://schemas.openxmlformats.org/drawingml/2006/main" xmlns:r="http://schemas.openxmlformats.org/officeDocument/2006/relationships" xmlns:p="http://schemas.openxmlformats.org/presentationml/2006/main">
-  <p:cSld>
-    <p:spTree>
-      <p:nvGrpSpPr>
-        <p:cNvPr id="1" name=""/>
-        <p:cNvGrpSpPr/>
-        <p:nvPr/>
-      </p:nvGrpSpPr>
-      <p:grpSpPr>
-        <a:xfrm>
-          <a:off x="0" y="0"/>
-          <a:ext cx="0" cy="0"/>
-          <a:chOff x="0" y="0"/>
-          <a:chExt cx="0" cy="0"/>
-        </a:xfrm>
-      </p:grpSpPr>
-      <p:sp>
-        <p:nvSpPr>
-          <p:cNvPr id="2" name="Title 1"/>
-          <p:cNvSpPr>
-            <a:spLocks noGrp="1"/>
-          </p:cNvSpPr>
-          <p:nvPr>
-            <p:ph type="title"/>
-          </p:nvPr>
-        </p:nvSpPr>
-        <p:spPr/>
-        <p:txBody>
-          <a:bodyPr/>
-          <a:lstStyle/>
-          <a:p>
-            <a:r>
-              <a:rPr lang="en-GB" dirty="0">
-                <a:solidFill>
-                  <a:srgbClr val="C00000"/>
-                </a:solidFill>
-                <a:effectLst>
-                  <a:outerShdw blurRad="38100" dist="38100" dir="2700000" algn="tl">
-                    <a:srgbClr val="000000">
-                      <a:alpha val="43137"/>
-                    </a:srgbClr>
-                  </a:outerShdw>
-                </a:effectLst>
-                <a:latin typeface="Times New Roman" pitchFamily="18" charset="0"/>
-                <a:cs typeface="Times New Roman" pitchFamily="18" charset="0"/>
-              </a:rPr>
-              <a:t>Exercises:</a:t>
-            </a:r>
-            <a:endParaRPr lang="en-GB" dirty="0"/>
-          </a:p>
-        </p:txBody>
-      </p:sp>
-      <p:sp>
-        <p:nvSpPr>
-          <p:cNvPr id="6" name="Content Placeholder 2"/>
-          <p:cNvSpPr>
-            <a:spLocks noGrp="1"/>
-          </p:cNvSpPr>
-          <p:nvPr>
-            <p:ph idx="1"/>
-          </p:nvPr>
-        </p:nvSpPr>
-        <p:spPr>
-          <a:xfrm>
-            <a:off x="796929" y="1676400"/>
-            <a:ext cx="7661275" cy="4114800"/>
-          </a:xfrm>
-        </p:spPr>
-        <p:txBody>
-          <a:bodyPr/>
-          <a:lstStyle/>
-          <a:p>
-            <a:pPr marL="0" indent="0">
-              <a:buNone/>
-            </a:pPr>
-            <a:r>
-              <a:rPr lang="en-GB" sz="3500" dirty="0">
-                <a:latin typeface="Times New Roman" pitchFamily="18" charset="0"/>
-                <a:cs typeface="Times New Roman" pitchFamily="18" charset="0"/>
-              </a:rPr>
-              <a:t>Will be updated soon!</a:t>
-            </a:r>
-          </a:p>
-        </p:txBody>
-      </p:sp>
-      <p:sp>
-        <p:nvSpPr>
-          <p:cNvPr id="4" name="Slide Number Placeholder 3"/>
-          <p:cNvSpPr>
-            <a:spLocks noGrp="1"/>
-          </p:cNvSpPr>
-          <p:nvPr>
-            <p:ph type="sldNum" sz="quarter" idx="12"/>
-          </p:nvPr>
-        </p:nvSpPr>
-        <p:spPr/>
-        <p:txBody>
-          <a:bodyPr/>
-          <a:lstStyle/>
-          <a:p>
-            <a:pPr>
-              <a:defRPr/>
-            </a:pPr>
-            <a:fld id="{645ED874-4033-4CEE-AE69-D7CB222F48E6}" type="slidenum">
-              <a:rPr lang="en-US" smtClean="0"/>
-              <a:pPr>
-                <a:defRPr/>
-              </a:pPr>
-              <a:t>60</a:t>
-            </a:fld>
-            <a:endParaRPr lang="en-US"/>
-          </a:p>
-        </p:txBody>
-      </p:sp>
-      <p:sp>
-        <p:nvSpPr>
-          <p:cNvPr id="3" name="Date Placeholder 2">
-            <a:extLst>
-              <a:ext uri="{FF2B5EF4-FFF2-40B4-BE49-F238E27FC236}">
-                <a16:creationId xmlns:a16="http://schemas.microsoft.com/office/drawing/2014/main" id="{3B0D652A-A07B-48C4-ACF3-975E58EC8B2F}"/>
-              </a:ext>
-            </a:extLst>
-          </p:cNvPr>
-          <p:cNvSpPr>
-            <a:spLocks noGrp="1"/>
-          </p:cNvSpPr>
-          <p:nvPr>
-            <p:ph type="dt" sz="half" idx="10"/>
-          </p:nvPr>
-        </p:nvSpPr>
-        <p:spPr/>
-        <p:txBody>
-          <a:bodyPr/>
-          <a:lstStyle/>
-          <a:p>
-            <a:pPr>
-              <a:defRPr/>
-            </a:pPr>
-            <a:fld id="{F6931E58-3720-4433-BCC0-93EF419A61F9}" type="datetime3">
-              <a:rPr lang="en-US" smtClean="0"/>
-              <a:t>16 December 2025</a:t>
-            </a:fld>
-            <a:endParaRPr lang="en-US"/>
-          </a:p>
-        </p:txBody>
-      </p:sp>
-      <p:sp>
-        <p:nvSpPr>
-          <p:cNvPr id="5" name="Footer Placeholder 4">
-            <a:extLst>
-              <a:ext uri="{FF2B5EF4-FFF2-40B4-BE49-F238E27FC236}">
-                <a16:creationId xmlns:a16="http://schemas.microsoft.com/office/drawing/2014/main" id="{FB963F53-B588-469B-8D51-07E13057D2E7}"/>
-              </a:ext>
-            </a:extLst>
-          </p:cNvPr>
-          <p:cNvSpPr>
-            <a:spLocks noGrp="1"/>
-          </p:cNvSpPr>
-          <p:nvPr>
-            <p:ph type="ftr" sz="quarter" idx="11"/>
-          </p:nvPr>
-        </p:nvSpPr>
-        <p:spPr/>
-        <p:txBody>
-          <a:bodyPr/>
-          <a:lstStyle/>
-          <a:p>
-            <a:pPr>
-              <a:defRPr/>
-            </a:pPr>
-            <a:r>
-              <a:rPr lang="en-US"/>
-              <a:t>T. Mayooran</a:t>
-            </a:r>
-          </a:p>
-        </p:txBody>
-      </p:sp>
-    </p:spTree>
-    <p:extLst>
-      <p:ext uri="{BB962C8B-B14F-4D97-AF65-F5344CB8AC3E}">
-        <p14:creationId xmlns:p14="http://schemas.microsoft.com/office/powerpoint/2010/main" val="1997271014"/>
-      </p:ext>
-    </p:extLst>
-  </p:cSld>
-  <p:clrMapOvr>
-    <a:masterClrMapping/>
-  </p:clrMapOvr>
-  <p:transition spd="slow">
-    <p:wipe dir="r"/>
-  </p:transition>
-</p:sld>
-</file>
-
-<file path=ppt/slides/slide61.xml><?xml version="1.0" encoding="utf-8"?>
 <p:sld xmlns:a="http://schemas.openxmlformats.org/drawingml/2006/main" xmlns:r="http://schemas.openxmlformats.org/officeDocument/2006/relationships" xmlns:p="http://schemas.openxmlformats.org/presentationml/2006/main">
   <p:cSld>
     <p:spTree>
@@ -32054,7 +31851,7 @@
                 </a:solidFill>
               </a:rPr>
               <a:pPr/>
-              <a:t>Tuesday, December 16, 2025</a:t>
+              <a:t>Tuesday, December 30, 2025</a:t>
             </a:fld>
             <a:endParaRPr lang="en-US" altLang="en-US" sz="1400">
               <a:solidFill>
@@ -32093,7 +31890,7 @@
               <a:pPr>
                 <a:defRPr/>
               </a:pPr>
-              <a:t>61</a:t>
+              <a:t>60</a:t>
             </a:fld>
             <a:endParaRPr lang="en-US"/>
           </a:p>
@@ -32267,8 +32064,8 @@
         </p:nvSpPr>
         <p:spPr>
           <a:xfrm>
-            <a:off x="152400" y="1468438"/>
-            <a:ext cx="8763000" cy="4031873"/>
+            <a:off x="480447" y="213331"/>
+            <a:ext cx="8358753" cy="6124754"/>
           </a:xfrm>
           <a:prstGeom prst="rect">
             <a:avLst/>
@@ -32283,13 +32080,14 @@
           <a:p>
             <a:pPr algn="just"/>
             <a:r>
-              <a:rPr lang="en-US" sz="3200" b="0" i="0" u="none" strike="noStrike" baseline="0" dirty="0">
+              <a:rPr lang="en-US" sz="2800" b="0" i="0" u="none" strike="noStrike" baseline="0" dirty="0">
                 <a:solidFill>
                   <a:srgbClr val="000000"/>
                 </a:solidFill>
+                <a:latin typeface="Times New Roman" panose="02020603050405020304" pitchFamily="18" charset="0"/>
                 <a:cs typeface="Times New Roman" panose="02020603050405020304" pitchFamily="18" charset="0"/>
               </a:rPr>
-              <a:t>Don’t hesitate to contact us if you have any questions about this course’s teaching contents. Also, don’t forget to check out the course page and Microsoft Team folder,</a:t>
+              <a:t>Don’t hesitate to contact us if you have any questions about this course’s teaching content. Also, don’t forget to check out the course page and Microsoft Team folder.</a:t>
             </a:r>
           </a:p>
           <a:p>
@@ -32298,37 +32096,139 @@
               <a:buChar char="•"/>
             </a:pPr>
             <a:r>
-              <a:rPr lang="fr-FR" sz="3200" b="0" i="0" u="none" strike="noStrike" baseline="0" dirty="0">
+              <a:rPr lang="fr-FR" sz="2800" b="0" i="0" u="none" strike="noStrike" baseline="0" dirty="0">
                 <a:solidFill>
                   <a:srgbClr val="000000"/>
                 </a:solidFill>
+                <a:latin typeface="Times New Roman" panose="02020603050405020304" pitchFamily="18" charset="0"/>
                 <a:cs typeface="Times New Roman" panose="02020603050405020304" pitchFamily="18" charset="0"/>
               </a:rPr>
-              <a:t>course page </a:t>
-            </a:r>
-            <a:r>
-              <a:rPr lang="fr-FR" sz="3200" b="0" i="0" u="none" strike="noStrike" baseline="0" dirty="0">
+              <a:t> Course page Link: </a:t>
+            </a:r>
+            <a:r>
+              <a:rPr lang="fr-FR" sz="2800" dirty="0">
                 <a:solidFill>
                   <a:srgbClr val="0000FF"/>
                 </a:solidFill>
+                <a:latin typeface="Times New Roman" panose="02020603050405020304" pitchFamily="18" charset="0"/>
                 <a:cs typeface="Times New Roman" panose="02020603050405020304" pitchFamily="18" charset="0"/>
                 <a:hlinkClick r:id="rId2"/>
               </a:rPr>
-              <a:t>https://mayooran1987.github.io/MC3020/</a:t>
-            </a:r>
-            <a:endParaRPr lang="fr-FR" sz="3200" b="0" i="0" u="none" strike="noStrike" baseline="0" dirty="0">
+              <a:t>https://mayooran1987.github.io/MC3020_E24/</a:t>
+            </a:r>
+            <a:endParaRPr lang="fr-FR" sz="2800" dirty="0">
               <a:solidFill>
                 <a:srgbClr val="0000FF"/>
               </a:solidFill>
+              <a:latin typeface="Times New Roman" panose="02020603050405020304" pitchFamily="18" charset="0"/>
               <a:cs typeface="Times New Roman" panose="02020603050405020304" pitchFamily="18" charset="0"/>
             </a:endParaRPr>
           </a:p>
           <a:p>
-            <a:pPr algn="just"/>
-            <a:endParaRPr lang="fr-FR" sz="3200" b="0" i="0" u="none" strike="noStrike" baseline="0" dirty="0">
+            <a:endParaRPr lang="fr-FR" sz="2800" b="0" i="0" u="none" strike="noStrike" baseline="0" dirty="0">
               <a:solidFill>
                 <a:srgbClr val="0000FF"/>
               </a:solidFill>
+              <a:latin typeface="Times New Roman" panose="02020603050405020304" pitchFamily="18" charset="0"/>
+              <a:cs typeface="Times New Roman" panose="02020603050405020304" pitchFamily="18" charset="0"/>
+            </a:endParaRPr>
+          </a:p>
+          <a:p>
+            <a:pPr marL="457200" indent="-457200">
+              <a:buFont typeface="Arial" panose="020B0604020202020204" pitchFamily="34" charset="0"/>
+              <a:buChar char="•"/>
+            </a:pPr>
+            <a:r>
+              <a:rPr lang="fr-FR" sz="2800" dirty="0">
+                <a:solidFill>
+                  <a:srgbClr val="0000FF"/>
+                </a:solidFill>
+                <a:latin typeface="Times New Roman" panose="02020603050405020304" pitchFamily="18" charset="0"/>
+                <a:cs typeface="Times New Roman" panose="02020603050405020304" pitchFamily="18" charset="0"/>
+              </a:rPr>
+              <a:t>Course </a:t>
+            </a:r>
+            <a:r>
+              <a:rPr lang="fr-FR" sz="2800" dirty="0" err="1">
+                <a:solidFill>
+                  <a:srgbClr val="0000FF"/>
+                </a:solidFill>
+                <a:latin typeface="Times New Roman" panose="02020603050405020304" pitchFamily="18" charset="0"/>
+                <a:cs typeface="Times New Roman" panose="02020603050405020304" pitchFamily="18" charset="0"/>
+              </a:rPr>
+              <a:t>page’s</a:t>
+            </a:r>
+            <a:r>
+              <a:rPr lang="fr-FR" sz="2800" dirty="0">
+                <a:solidFill>
+                  <a:srgbClr val="0000FF"/>
+                </a:solidFill>
+                <a:latin typeface="Times New Roman" panose="02020603050405020304" pitchFamily="18" charset="0"/>
+                <a:cs typeface="Times New Roman" panose="02020603050405020304" pitchFamily="18" charset="0"/>
+              </a:rPr>
+              <a:t> QR code</a:t>
+            </a:r>
+          </a:p>
+          <a:p>
+            <a:pPr marL="457200" indent="-457200">
+              <a:buFont typeface="Arial" panose="020B0604020202020204" pitchFamily="34" charset="0"/>
+              <a:buChar char="•"/>
+            </a:pPr>
+            <a:endParaRPr lang="fr-FR" sz="2800" b="0" i="0" u="none" strike="noStrike" baseline="0" dirty="0">
+              <a:solidFill>
+                <a:srgbClr val="0000FF"/>
+              </a:solidFill>
+              <a:latin typeface="Times New Roman" panose="02020603050405020304" pitchFamily="18" charset="0"/>
+              <a:cs typeface="Times New Roman" panose="02020603050405020304" pitchFamily="18" charset="0"/>
+            </a:endParaRPr>
+          </a:p>
+          <a:p>
+            <a:pPr algn="just"/>
+            <a:endParaRPr lang="fr-FR" sz="2800" b="0" i="0" u="none" strike="noStrike" baseline="0" dirty="0">
+              <a:solidFill>
+                <a:srgbClr val="0000FF"/>
+              </a:solidFill>
+              <a:latin typeface="Times New Roman" panose="02020603050405020304" pitchFamily="18" charset="0"/>
+              <a:cs typeface="Times New Roman" panose="02020603050405020304" pitchFamily="18" charset="0"/>
+            </a:endParaRPr>
+          </a:p>
+          <a:p>
+            <a:pPr algn="just"/>
+            <a:endParaRPr lang="fr-FR" sz="2800" dirty="0">
+              <a:solidFill>
+                <a:srgbClr val="0000FF"/>
+              </a:solidFill>
+              <a:latin typeface="Times New Roman" panose="02020603050405020304" pitchFamily="18" charset="0"/>
+              <a:cs typeface="Times New Roman" panose="02020603050405020304" pitchFamily="18" charset="0"/>
+            </a:endParaRPr>
+          </a:p>
+          <a:p>
+            <a:pPr algn="just"/>
+            <a:endParaRPr lang="fr-FR" sz="2800" b="0" i="0" u="none" strike="noStrike" baseline="0" dirty="0">
+              <a:solidFill>
+                <a:srgbClr val="0000FF"/>
+              </a:solidFill>
+              <a:latin typeface="Times New Roman" panose="02020603050405020304" pitchFamily="18" charset="0"/>
+              <a:cs typeface="Times New Roman" panose="02020603050405020304" pitchFamily="18" charset="0"/>
+            </a:endParaRPr>
+          </a:p>
+          <a:p>
+            <a:pPr algn="just"/>
+            <a:endParaRPr lang="fr-FR" sz="2800" dirty="0">
+              <a:solidFill>
+                <a:srgbClr val="0000FF"/>
+              </a:solidFill>
+              <a:latin typeface="Times New Roman" panose="02020603050405020304" pitchFamily="18" charset="0"/>
+              <a:cs typeface="Times New Roman" panose="02020603050405020304" pitchFamily="18" charset="0"/>
+            </a:endParaRPr>
+          </a:p>
+          <a:p>
+            <a:pPr algn="just"/>
+            <a:endParaRPr lang="fr-FR" sz="2800" b="0" i="0" u="none" strike="noStrike" baseline="0" dirty="0">
+              <a:solidFill>
+                <a:srgbClr val="0000FF"/>
+              </a:solidFill>
+              <a:latin typeface="Times New Roman" panose="02020603050405020304" pitchFamily="18" charset="0"/>
               <a:cs typeface="Times New Roman" panose="02020603050405020304" pitchFamily="18" charset="0"/>
             </a:endParaRPr>
           </a:p>
@@ -32338,25 +32238,17 @@
               <a:buChar char="•"/>
             </a:pPr>
             <a:r>
-              <a:rPr lang="en-US" sz="3200" b="0" i="0" u="none" strike="noStrike" baseline="0" dirty="0">
+              <a:rPr lang="en-US" sz="2800" b="0" i="0" u="none" strike="noStrike" baseline="0" dirty="0">
                 <a:solidFill>
                   <a:srgbClr val="000000"/>
                 </a:solidFill>
+                <a:latin typeface="Times New Roman" panose="02020603050405020304" pitchFamily="18" charset="0"/>
                 <a:cs typeface="Times New Roman" panose="02020603050405020304" pitchFamily="18" charset="0"/>
               </a:rPr>
-              <a:t>Microsoft Team folder </a:t>
-            </a:r>
-            <a:r>
-              <a:rPr lang="en-US" sz="3200" b="0" i="0" u="none" strike="noStrike" baseline="0" dirty="0">
-                <a:solidFill>
-                  <a:srgbClr val="0000FF"/>
-                </a:solidFill>
-                <a:cs typeface="Times New Roman" panose="02020603050405020304" pitchFamily="18" charset="0"/>
-                <a:hlinkClick r:id="rId3"/>
-              </a:rPr>
-              <a:t>link</a:t>
-            </a:r>
-            <a:endParaRPr lang="en-US" sz="3200" dirty="0">
+              <a:t>Microsoft Team folder</a:t>
+            </a:r>
+            <a:endParaRPr lang="en-US" sz="2800" dirty="0">
+              <a:latin typeface="Times New Roman" panose="02020603050405020304" pitchFamily="18" charset="0"/>
               <a:cs typeface="Times New Roman" panose="02020603050405020304" pitchFamily="18" charset="0"/>
             </a:endParaRPr>
           </a:p>
@@ -32377,7 +32269,7 @@
           <p:nvPr/>
         </p:nvPicPr>
         <p:blipFill>
-          <a:blip r:embed="rId4" cstate="print">
+          <a:blip r:embed="rId3" cstate="print">
             <a:extLst>
               <a:ext uri="{28A0092B-C50C-407E-A947-70E740481C1C}">
                 <a14:useLocalDpi xmlns:a14="http://schemas.microsoft.com/office/drawing/2010/main" val="0"/>
@@ -32391,7 +32283,7 @@
         </p:blipFill>
         <p:spPr bwMode="auto">
           <a:xfrm>
-            <a:off x="5816600" y="4452561"/>
+            <a:off x="6553200" y="4681161"/>
             <a:ext cx="2394452" cy="1795839"/>
           </a:xfrm>
           <a:prstGeom prst="rect">
@@ -32432,6 +32324,36 @@
           </a:extLst>
         </p:spPr>
       </p:pic>
+      <p:pic>
+        <p:nvPicPr>
+          <p:cNvPr id="6" name="Picture 5" descr="A qr code with a dinosaur&#10;&#10;AI-generated content may be incorrect.">
+            <a:extLst>
+              <a:ext uri="{FF2B5EF4-FFF2-40B4-BE49-F238E27FC236}">
+                <a16:creationId xmlns:a16="http://schemas.microsoft.com/office/drawing/2014/main" id="{2C3B10D8-7069-80CC-7F7B-797AB06C7D06}"/>
+              </a:ext>
+            </a:extLst>
+          </p:cNvPr>
+          <p:cNvPicPr>
+            <a:picLocks noChangeAspect="1"/>
+          </p:cNvPicPr>
+          <p:nvPr/>
+        </p:nvPicPr>
+        <p:blipFill>
+          <a:blip r:embed="rId4"/>
+          <a:stretch>
+            <a:fillRect/>
+          </a:stretch>
+        </p:blipFill>
+        <p:spPr>
+          <a:xfrm>
+            <a:off x="2200275" y="3404755"/>
+            <a:ext cx="2371725" cy="2371725"/>
+          </a:xfrm>
+          <a:prstGeom prst="rect">
+            <a:avLst/>
+          </a:prstGeom>
+        </p:spPr>
+      </p:pic>
     </p:spTree>
   </p:cSld>
   <p:clrMapOvr>
@@ -32443,7 +32365,7 @@
 </p:sld>
 </file>
 
-<file path=ppt/slides/slide62.xml><?xml version="1.0" encoding="utf-8"?>
+<file path=ppt/slides/slide61.xml><?xml version="1.0" encoding="utf-8"?>
 <p:sld xmlns:a="http://schemas.openxmlformats.org/drawingml/2006/main" xmlns:r="http://schemas.openxmlformats.org/officeDocument/2006/relationships" xmlns:p="http://schemas.openxmlformats.org/presentationml/2006/main">
   <p:cSld>
     <p:spTree>
@@ -34744,7 +34666,7 @@
             </a:pPr>
             <a:fld id="{C93ED6A8-3DFA-4452-A8D0-7232426E2736}" type="datetime3">
               <a:rPr lang="en-US" smtClean="0"/>
-              <a:t>16 December 2025</a:t>
+              <a:t>30 December 2025</a:t>
             </a:fld>
             <a:endParaRPr lang="en-US"/>
           </a:p>
@@ -35675,7 +35597,7 @@
             </a:pPr>
             <a:fld id="{5DC17382-FDB2-4AB7-9274-D58CD3D00F77}" type="datetime3">
               <a:rPr lang="en-US" smtClean="0"/>
-              <a:t>16 December 2025</a:t>
+              <a:t>30 December 2025</a:t>
             </a:fld>
             <a:endParaRPr lang="en-US"/>
           </a:p>
